--- a/ppt/3-A_201944010_강은규_최종.pptx
+++ b/ppt/3-A_201944010_강은규_최종.pptx
@@ -5,26 +5,32 @@
     <p:sldMasterId id="2147483648" r:id="rId1"/>
   </p:sldMasterIdLst>
   <p:notesMasterIdLst>
-    <p:notesMasterId r:id="rId11"/>
+    <p:notesMasterId r:id="rId17"/>
   </p:notesMasterIdLst>
   <p:sldIdLst>
     <p:sldId id="256" r:id="rId2"/>
-    <p:sldId id="294" r:id="rId3"/>
-    <p:sldId id="287" r:id="rId4"/>
-    <p:sldId id="295" r:id="rId5"/>
-    <p:sldId id="296" r:id="rId6"/>
-    <p:sldId id="297" r:id="rId7"/>
-    <p:sldId id="298" r:id="rId8"/>
-    <p:sldId id="299" r:id="rId9"/>
-    <p:sldId id="300" r:id="rId10"/>
+    <p:sldId id="257" r:id="rId3"/>
+    <p:sldId id="259" r:id="rId4"/>
+    <p:sldId id="294" r:id="rId5"/>
+    <p:sldId id="302" r:id="rId6"/>
+    <p:sldId id="301" r:id="rId7"/>
+    <p:sldId id="287" r:id="rId8"/>
+    <p:sldId id="303" r:id="rId9"/>
+    <p:sldId id="295" r:id="rId10"/>
+    <p:sldId id="296" r:id="rId11"/>
+    <p:sldId id="297" r:id="rId12"/>
+    <p:sldId id="298" r:id="rId13"/>
+    <p:sldId id="299" r:id="rId14"/>
+    <p:sldId id="304" r:id="rId15"/>
+    <p:sldId id="300" r:id="rId16"/>
   </p:sldIdLst>
   <p:sldSz cx="12192000" cy="6858000"/>
   <p:notesSz cx="7104063" cy="10234613"/>
   <p:embeddedFontLst>
     <p:embeddedFont>
       <p:font typeface="맑은 고딕" panose="020B0503020000020004" pitchFamily="34" charset="-127"/>
-      <p:regular r:id="rId12"/>
-      <p:bold r:id="rId13"/>
+      <p:regular r:id="rId18"/>
+      <p:bold r:id="rId19"/>
     </p:embeddedFont>
   </p:embeddedFontLst>
   <p:defaultTextStyle>
@@ -128,17 +134,23 @@
         <p14:section name="기본 구역" id="{7EB77C36-E2FB-4060-8A1D-49BB0D747DE5}">
           <p14:sldIdLst>
             <p14:sldId id="256"/>
+            <p14:sldId id="257"/>
+            <p14:sldId id="259"/>
           </p14:sldIdLst>
         </p14:section>
         <p14:section name="제목 없는 구역" id="{11BE543F-EE9A-4F43-81B9-6316159F1465}">
           <p14:sldIdLst>
             <p14:sldId id="294"/>
+            <p14:sldId id="302"/>
+            <p14:sldId id="301"/>
             <p14:sldId id="287"/>
+            <p14:sldId id="303"/>
             <p14:sldId id="295"/>
             <p14:sldId id="296"/>
             <p14:sldId id="297"/>
             <p14:sldId id="298"/>
             <p14:sldId id="299"/>
+            <p14:sldId id="304"/>
             <p14:sldId id="300"/>
           </p14:sldIdLst>
         </p14:section>
@@ -4335,979 +4347,7 @@
 </p:sld>
 </file>
 
-<file path=ppt/slides/slide2.xml><?xml version="1.0" encoding="utf-8"?>
-<p:sld xmlns:a="http://schemas.openxmlformats.org/drawingml/2006/main" xmlns:r="http://schemas.openxmlformats.org/officeDocument/2006/relationships" xmlns:p="http://schemas.openxmlformats.org/presentationml/2006/main">
-  <p:cSld>
-    <p:spTree>
-      <p:nvGrpSpPr>
-        <p:cNvPr id="1" name="">
-          <a:extLst>
-            <a:ext uri="{FF2B5EF4-FFF2-40B4-BE49-F238E27FC236}">
-              <a16:creationId xmlns:a16="http://schemas.microsoft.com/office/drawing/2014/main" id="{28F9D544-4AAD-D96B-6AB1-6C4D819C1EFE}"/>
-            </a:ext>
-          </a:extLst>
-        </p:cNvPr>
-        <p:cNvGrpSpPr/>
-        <p:nvPr/>
-      </p:nvGrpSpPr>
-      <p:grpSpPr>
-        <a:xfrm>
-          <a:off x="0" y="0"/>
-          <a:ext cx="0" cy="0"/>
-          <a:chOff x="0" y="0"/>
-          <a:chExt cx="0" cy="0"/>
-        </a:xfrm>
-      </p:grpSpPr>
-      <p:sp>
-        <p:nvSpPr>
-          <p:cNvPr id="2" name="제목 1">
-            <a:extLst>
-              <a:ext uri="{FF2B5EF4-FFF2-40B4-BE49-F238E27FC236}">
-                <a16:creationId xmlns:a16="http://schemas.microsoft.com/office/drawing/2014/main" id="{F0E18233-8608-3D1B-9EEC-BC88C6401D2D}"/>
-              </a:ext>
-            </a:extLst>
-          </p:cNvPr>
-          <p:cNvSpPr>
-            <a:spLocks noGrp="1"/>
-          </p:cNvSpPr>
-          <p:nvPr>
-            <p:ph type="title"/>
-          </p:nvPr>
-        </p:nvSpPr>
-        <p:spPr/>
-        <p:txBody>
-          <a:bodyPr>
-            <a:normAutofit/>
-          </a:bodyPr>
-          <a:lstStyle/>
-          <a:p>
-            <a:r>
-              <a:rPr lang="ko-KR" altLang="en-US" sz="4400" dirty="0">
-                <a:latin typeface="+mj-lt"/>
-              </a:rPr>
-              <a:t>데이터 </a:t>
-            </a:r>
-            <a:r>
-              <a:rPr lang="ko-KR" altLang="en-US" sz="4400" dirty="0" err="1">
-                <a:latin typeface="+mj-lt"/>
-              </a:rPr>
-              <a:t>전처리</a:t>
-            </a:r>
-            <a:endParaRPr lang="ko-KR" altLang="en-US" dirty="0">
-              <a:latin typeface="+mj-lt"/>
-            </a:endParaRPr>
-          </a:p>
-        </p:txBody>
-      </p:sp>
-      <p:sp>
-        <p:nvSpPr>
-          <p:cNvPr id="3" name="TextBox 2">
-            <a:extLst>
-              <a:ext uri="{FF2B5EF4-FFF2-40B4-BE49-F238E27FC236}">
-                <a16:creationId xmlns:a16="http://schemas.microsoft.com/office/drawing/2014/main" id="{F1836726-4B4C-865D-3795-64B0BF57A7E5}"/>
-              </a:ext>
-            </a:extLst>
-          </p:cNvPr>
-          <p:cNvSpPr txBox="1"/>
-          <p:nvPr/>
-        </p:nvSpPr>
-        <p:spPr>
-          <a:xfrm>
-            <a:off x="971107" y="1545265"/>
-            <a:ext cx="9145350" cy="1508105"/>
-          </a:xfrm>
-          <a:prstGeom prst="rect">
-            <a:avLst/>
-          </a:prstGeom>
-          <a:noFill/>
-        </p:spPr>
-        <p:txBody>
-          <a:bodyPr wrap="square" rtlCol="0">
-            <a:spAutoFit/>
-          </a:bodyPr>
-          <a:lstStyle/>
-          <a:p>
-            <a:pPr algn="l"/>
-            <a:r>
-              <a:rPr lang="ko-KR" altLang="en-US" sz="2400" dirty="0">
-                <a:latin typeface="+mj-lt"/>
-              </a:rPr>
-              <a:t>데이터 확인</a:t>
-            </a:r>
-            <a:endParaRPr lang="en-US" altLang="ko-KR" sz="2400" dirty="0">
-              <a:latin typeface="+mj-lt"/>
-            </a:endParaRPr>
-          </a:p>
-          <a:p>
-            <a:pPr marL="92075" indent="85725" algn="l">
-              <a:buFont typeface="Arial" panose="020B0604020202020204" pitchFamily="34" charset="0"/>
-              <a:buChar char="•"/>
-            </a:pPr>
-            <a:r>
-              <a:rPr lang="en-US" altLang="ko-KR" dirty="0">
-                <a:latin typeface="+mj-lt"/>
-              </a:rPr>
-              <a:t>Pandas</a:t>
-            </a:r>
-            <a:r>
-              <a:rPr lang="ko-KR" altLang="en-US" dirty="0">
-                <a:latin typeface="+mj-lt"/>
-              </a:rPr>
-              <a:t>에서 제공하는 </a:t>
-            </a:r>
-            <a:r>
-              <a:rPr lang="en-US" altLang="ko-KR" dirty="0">
-                <a:latin typeface="+mj-lt"/>
-              </a:rPr>
-              <a:t>head, info</a:t>
-            </a:r>
-            <a:r>
-              <a:rPr lang="ko-KR" altLang="en-US" dirty="0">
-                <a:latin typeface="+mj-lt"/>
-              </a:rPr>
-              <a:t>를 이용하여 각 열의 이름을 확인</a:t>
-            </a:r>
-            <a:endParaRPr lang="en-US" altLang="ko-KR" dirty="0">
-              <a:latin typeface="+mj-lt"/>
-            </a:endParaRPr>
-          </a:p>
-          <a:p>
-            <a:pPr marL="92075" indent="85725" algn="l">
-              <a:buFont typeface="Arial" panose="020B0604020202020204" pitchFamily="34" charset="0"/>
-              <a:buChar char="•"/>
-            </a:pPr>
-            <a:r>
-              <a:rPr lang="ko-KR" altLang="en-US" dirty="0">
-                <a:latin typeface="+mj-lt"/>
-              </a:rPr>
-              <a:t>시간대별 정보는 </a:t>
-            </a:r>
-            <a:r>
-              <a:rPr lang="en-US" altLang="ko-KR" dirty="0">
-                <a:latin typeface="+mj-lt"/>
-              </a:rPr>
-              <a:t>18</a:t>
-            </a:r>
-            <a:r>
-              <a:rPr lang="ko-KR" altLang="en-US" dirty="0">
-                <a:latin typeface="+mj-lt"/>
-              </a:rPr>
-              <a:t>개의 열</a:t>
-            </a:r>
-            <a:r>
-              <a:rPr lang="en-US" altLang="ko-KR" dirty="0">
-                <a:latin typeface="+mj-lt"/>
-              </a:rPr>
-              <a:t>, </a:t>
-            </a:r>
-            <a:r>
-              <a:rPr lang="ko-KR" altLang="en-US" dirty="0">
-                <a:latin typeface="+mj-lt"/>
-              </a:rPr>
-              <a:t>지역별 정보는 </a:t>
-            </a:r>
-            <a:r>
-              <a:rPr lang="en-US" altLang="ko-KR" dirty="0">
-                <a:latin typeface="+mj-lt"/>
-              </a:rPr>
-              <a:t>89</a:t>
-            </a:r>
-            <a:r>
-              <a:rPr lang="ko-KR" altLang="en-US" dirty="0">
-                <a:latin typeface="+mj-lt"/>
-              </a:rPr>
-              <a:t>개의 열이 존재함을 알아냄</a:t>
-            </a:r>
-            <a:endParaRPr lang="en-US" altLang="ko-KR" dirty="0">
-              <a:latin typeface="+mj-lt"/>
-            </a:endParaRPr>
-          </a:p>
-          <a:p>
-            <a:pPr marL="549275" lvl="1" indent="85725">
-              <a:buFont typeface="Arial" panose="020B0604020202020204" pitchFamily="34" charset="0"/>
-              <a:buChar char="•"/>
-            </a:pPr>
-            <a:r>
-              <a:rPr lang="ko-KR" altLang="en-US" sz="1400" dirty="0">
-                <a:latin typeface="+mj-lt"/>
-              </a:rPr>
-              <a:t>시간대별 정보는 </a:t>
-            </a:r>
-            <a:r>
-              <a:rPr lang="en-US" altLang="ko-KR" sz="1400" dirty="0" err="1">
-                <a:latin typeface="+mj-lt"/>
-              </a:rPr>
-              <a:t>TimeStamp</a:t>
-            </a:r>
-            <a:r>
-              <a:rPr lang="ko-KR" altLang="en-US" sz="1400" dirty="0">
-                <a:latin typeface="+mj-lt"/>
-              </a:rPr>
-              <a:t>가 찍힌 시계열 데이터가 아닌 각 시간대별 범죄 발생률임</a:t>
-            </a:r>
-            <a:endParaRPr lang="en-US" altLang="ko-KR" sz="1400" dirty="0">
-              <a:latin typeface="+mj-lt"/>
-            </a:endParaRPr>
-          </a:p>
-          <a:p>
-            <a:pPr marL="92075" indent="85725" algn="l">
-              <a:buFont typeface="Arial" panose="020B0604020202020204" pitchFamily="34" charset="0"/>
-              <a:buChar char="•"/>
-            </a:pPr>
-            <a:r>
-              <a:rPr lang="ko-KR" altLang="en-US" dirty="0">
-                <a:latin typeface="+mj-lt"/>
-              </a:rPr>
-              <a:t>공통된 정보인 </a:t>
-            </a:r>
-            <a:r>
-              <a:rPr lang="ko-KR" altLang="en-US" dirty="0" err="1">
-                <a:latin typeface="+mj-lt"/>
-              </a:rPr>
-              <a:t>범죄대분류</a:t>
-            </a:r>
-            <a:r>
-              <a:rPr lang="en-US" altLang="ko-KR" dirty="0">
-                <a:latin typeface="+mj-lt"/>
-              </a:rPr>
-              <a:t>, </a:t>
-            </a:r>
-            <a:r>
-              <a:rPr lang="ko-KR" altLang="en-US" dirty="0" err="1">
-                <a:latin typeface="+mj-lt"/>
-              </a:rPr>
-              <a:t>범죄중분류</a:t>
-            </a:r>
-            <a:r>
-              <a:rPr lang="ko-KR" altLang="en-US" dirty="0">
-                <a:latin typeface="+mj-lt"/>
-              </a:rPr>
-              <a:t> 열을 이용해 병합 하는 것이 용이하다고 판단</a:t>
-            </a:r>
-            <a:r>
-              <a:rPr lang="en-US" altLang="ko-KR" dirty="0">
-                <a:latin typeface="+mj-lt"/>
-              </a:rPr>
-              <a:t>.</a:t>
-            </a:r>
-          </a:p>
-        </p:txBody>
-      </p:sp>
-      <p:pic>
-        <p:nvPicPr>
-          <p:cNvPr id="6" name="그림 5">
-            <a:extLst>
-              <a:ext uri="{FF2B5EF4-FFF2-40B4-BE49-F238E27FC236}">
-                <a16:creationId xmlns:a16="http://schemas.microsoft.com/office/drawing/2014/main" id="{6450ED28-9900-C145-84C3-7481A14098CA}"/>
-              </a:ext>
-            </a:extLst>
-          </p:cNvPr>
-          <p:cNvPicPr>
-            <a:picLocks noChangeAspect="1"/>
-          </p:cNvPicPr>
-          <p:nvPr/>
-        </p:nvPicPr>
-        <p:blipFill>
-          <a:blip r:embed="rId2"/>
-          <a:stretch>
-            <a:fillRect/>
-          </a:stretch>
-        </p:blipFill>
-        <p:spPr>
-          <a:xfrm>
-            <a:off x="971107" y="3358826"/>
-            <a:ext cx="4143829" cy="1299077"/>
-          </a:xfrm>
-          <a:prstGeom prst="rect">
-            <a:avLst/>
-          </a:prstGeom>
-        </p:spPr>
-      </p:pic>
-      <p:pic>
-        <p:nvPicPr>
-          <p:cNvPr id="8" name="그림 7">
-            <a:extLst>
-              <a:ext uri="{FF2B5EF4-FFF2-40B4-BE49-F238E27FC236}">
-                <a16:creationId xmlns:a16="http://schemas.microsoft.com/office/drawing/2014/main" id="{534CFC64-C66C-DCC6-7CFB-4383458A5E71}"/>
-              </a:ext>
-            </a:extLst>
-          </p:cNvPr>
-          <p:cNvPicPr>
-            <a:picLocks noChangeAspect="1"/>
-          </p:cNvPicPr>
-          <p:nvPr/>
-        </p:nvPicPr>
-        <p:blipFill>
-          <a:blip r:embed="rId3"/>
-          <a:srcRect l="-1" r="-346" b="44538"/>
-          <a:stretch/>
-        </p:blipFill>
-        <p:spPr>
-          <a:xfrm>
-            <a:off x="5384867" y="3358826"/>
-            <a:ext cx="2104504" cy="1299077"/>
-          </a:xfrm>
-          <a:prstGeom prst="rect">
-            <a:avLst/>
-          </a:prstGeom>
-        </p:spPr>
-      </p:pic>
-      <p:pic>
-        <p:nvPicPr>
-          <p:cNvPr id="10" name="그림 9">
-            <a:extLst>
-              <a:ext uri="{FF2B5EF4-FFF2-40B4-BE49-F238E27FC236}">
-                <a16:creationId xmlns:a16="http://schemas.microsoft.com/office/drawing/2014/main" id="{FDF2DCA2-74B1-7FED-7E37-299C408AA260}"/>
-              </a:ext>
-            </a:extLst>
-          </p:cNvPr>
-          <p:cNvPicPr>
-            <a:picLocks noChangeAspect="1"/>
-          </p:cNvPicPr>
-          <p:nvPr/>
-        </p:nvPicPr>
-        <p:blipFill>
-          <a:blip r:embed="rId4"/>
-          <a:stretch>
-            <a:fillRect/>
-          </a:stretch>
-        </p:blipFill>
-        <p:spPr>
-          <a:xfrm>
-            <a:off x="971107" y="5236633"/>
-            <a:ext cx="4275807" cy="1256858"/>
-          </a:xfrm>
-          <a:prstGeom prst="rect">
-            <a:avLst/>
-          </a:prstGeom>
-        </p:spPr>
-      </p:pic>
-      <p:pic>
-        <p:nvPicPr>
-          <p:cNvPr id="12" name="그림 11">
-            <a:extLst>
-              <a:ext uri="{FF2B5EF4-FFF2-40B4-BE49-F238E27FC236}">
-                <a16:creationId xmlns:a16="http://schemas.microsoft.com/office/drawing/2014/main" id="{45A99E4A-2D75-2FFA-3339-A6A192AB683E}"/>
-              </a:ext>
-            </a:extLst>
-          </p:cNvPr>
-          <p:cNvPicPr>
-            <a:picLocks noChangeAspect="1"/>
-          </p:cNvPicPr>
-          <p:nvPr/>
-        </p:nvPicPr>
-        <p:blipFill>
-          <a:blip r:embed="rId5"/>
-          <a:stretch>
-            <a:fillRect/>
-          </a:stretch>
-        </p:blipFill>
-        <p:spPr>
-          <a:xfrm>
-            <a:off x="5392124" y="5236633"/>
-            <a:ext cx="1835990" cy="1194111"/>
-          </a:xfrm>
-          <a:prstGeom prst="rect">
-            <a:avLst/>
-          </a:prstGeom>
-        </p:spPr>
-      </p:pic>
-    </p:spTree>
-    <p:extLst>
-      <p:ext uri="{BB962C8B-B14F-4D97-AF65-F5344CB8AC3E}">
-        <p14:creationId xmlns:p14="http://schemas.microsoft.com/office/powerpoint/2010/main" val="2633675551"/>
-      </p:ext>
-    </p:extLst>
-  </p:cSld>
-  <p:clrMapOvr>
-    <a:masterClrMapping/>
-  </p:clrMapOvr>
-</p:sld>
-</file>
-
-<file path=ppt/slides/slide3.xml><?xml version="1.0" encoding="utf-8"?>
-<p:sld xmlns:a="http://schemas.openxmlformats.org/drawingml/2006/main" xmlns:r="http://schemas.openxmlformats.org/officeDocument/2006/relationships" xmlns:p="http://schemas.openxmlformats.org/presentationml/2006/main">
-  <p:cSld>
-    <p:spTree>
-      <p:nvGrpSpPr>
-        <p:cNvPr id="1" name="">
-          <a:extLst>
-            <a:ext uri="{FF2B5EF4-FFF2-40B4-BE49-F238E27FC236}">
-              <a16:creationId xmlns:a16="http://schemas.microsoft.com/office/drawing/2014/main" id="{28F9D544-4AAD-D96B-6AB1-6C4D819C1EFE}"/>
-            </a:ext>
-          </a:extLst>
-        </p:cNvPr>
-        <p:cNvGrpSpPr/>
-        <p:nvPr/>
-      </p:nvGrpSpPr>
-      <p:grpSpPr>
-        <a:xfrm>
-          <a:off x="0" y="0"/>
-          <a:ext cx="0" cy="0"/>
-          <a:chOff x="0" y="0"/>
-          <a:chExt cx="0" cy="0"/>
-        </a:xfrm>
-      </p:grpSpPr>
-      <p:sp>
-        <p:nvSpPr>
-          <p:cNvPr id="2" name="제목 1">
-            <a:extLst>
-              <a:ext uri="{FF2B5EF4-FFF2-40B4-BE49-F238E27FC236}">
-                <a16:creationId xmlns:a16="http://schemas.microsoft.com/office/drawing/2014/main" id="{F0E18233-8608-3D1B-9EEC-BC88C6401D2D}"/>
-              </a:ext>
-            </a:extLst>
-          </p:cNvPr>
-          <p:cNvSpPr>
-            <a:spLocks noGrp="1"/>
-          </p:cNvSpPr>
-          <p:nvPr>
-            <p:ph type="title"/>
-          </p:nvPr>
-        </p:nvSpPr>
-        <p:spPr/>
-        <p:txBody>
-          <a:bodyPr/>
-          <a:lstStyle/>
-          <a:p>
-            <a:r>
-              <a:rPr lang="ko-KR" altLang="en-US" sz="4400" dirty="0">
-                <a:latin typeface="+mj-lt"/>
-              </a:rPr>
-              <a:t>데이터 </a:t>
-            </a:r>
-            <a:r>
-              <a:rPr lang="ko-KR" altLang="en-US" sz="4400" dirty="0" err="1">
-                <a:latin typeface="+mj-lt"/>
-              </a:rPr>
-              <a:t>전처리</a:t>
-            </a:r>
-            <a:endParaRPr lang="ko-KR" altLang="en-US" dirty="0">
-              <a:latin typeface="+mj-lt"/>
-            </a:endParaRPr>
-          </a:p>
-        </p:txBody>
-      </p:sp>
-      <p:sp>
-        <p:nvSpPr>
-          <p:cNvPr id="3" name="TextBox 2">
-            <a:extLst>
-              <a:ext uri="{FF2B5EF4-FFF2-40B4-BE49-F238E27FC236}">
-                <a16:creationId xmlns:a16="http://schemas.microsoft.com/office/drawing/2014/main" id="{F1089C4B-294B-7FD6-3000-8B0B472D9947}"/>
-              </a:ext>
-            </a:extLst>
-          </p:cNvPr>
-          <p:cNvSpPr txBox="1"/>
-          <p:nvPr/>
-        </p:nvSpPr>
-        <p:spPr>
-          <a:xfrm>
-            <a:off x="971107" y="1545265"/>
-            <a:ext cx="9145350" cy="1015663"/>
-          </a:xfrm>
-          <a:prstGeom prst="rect">
-            <a:avLst/>
-          </a:prstGeom>
-          <a:noFill/>
-        </p:spPr>
-        <p:txBody>
-          <a:bodyPr wrap="square" rtlCol="0">
-            <a:spAutoFit/>
-          </a:bodyPr>
-          <a:lstStyle/>
-          <a:p>
-            <a:pPr algn="l"/>
-            <a:r>
-              <a:rPr lang="ko-KR" altLang="en-US" sz="2400" dirty="0">
-                <a:latin typeface="+mj-lt"/>
-              </a:rPr>
-              <a:t>데이터 병합</a:t>
-            </a:r>
-            <a:endParaRPr lang="en-US" altLang="ko-KR" sz="2400" dirty="0">
-              <a:latin typeface="+mj-lt"/>
-            </a:endParaRPr>
-          </a:p>
-          <a:p>
-            <a:pPr marL="92075" indent="85725" algn="l">
-              <a:buFont typeface="Arial" panose="020B0604020202020204" pitchFamily="34" charset="0"/>
-              <a:buChar char="•"/>
-            </a:pPr>
-            <a:r>
-              <a:rPr lang="ko-KR" altLang="en-US" dirty="0">
-                <a:latin typeface="+mj-lt"/>
-              </a:rPr>
-              <a:t>각 </a:t>
-            </a:r>
-            <a:r>
-              <a:rPr lang="en-US" altLang="ko-KR" dirty="0">
-                <a:latin typeface="+mj-lt"/>
-              </a:rPr>
-              <a:t>csv</a:t>
-            </a:r>
-            <a:r>
-              <a:rPr lang="ko-KR" altLang="en-US" dirty="0">
-                <a:latin typeface="+mj-lt"/>
-              </a:rPr>
-              <a:t>를 </a:t>
-            </a:r>
-            <a:r>
-              <a:rPr lang="ko-KR" altLang="en-US" dirty="0" err="1">
-                <a:latin typeface="+mj-lt"/>
-              </a:rPr>
-              <a:t>범죄대분류</a:t>
-            </a:r>
-            <a:r>
-              <a:rPr lang="en-US" altLang="ko-KR" dirty="0">
-                <a:latin typeface="+mj-lt"/>
-              </a:rPr>
-              <a:t>, </a:t>
-            </a:r>
-            <a:r>
-              <a:rPr lang="ko-KR" altLang="en-US" dirty="0" err="1">
-                <a:latin typeface="+mj-lt"/>
-              </a:rPr>
-              <a:t>범죄중분류를</a:t>
-            </a:r>
-            <a:r>
-              <a:rPr lang="ko-KR" altLang="en-US" dirty="0">
-                <a:latin typeface="+mj-lt"/>
-              </a:rPr>
-              <a:t> 기준으로 병합</a:t>
-            </a:r>
-            <a:endParaRPr lang="en-US" altLang="ko-KR" dirty="0">
-              <a:latin typeface="+mj-lt"/>
-            </a:endParaRPr>
-          </a:p>
-          <a:p>
-            <a:pPr marL="92075" indent="85725" algn="l">
-              <a:buFont typeface="Arial" panose="020B0604020202020204" pitchFamily="34" charset="0"/>
-              <a:buChar char="•"/>
-            </a:pPr>
-            <a:r>
-              <a:rPr lang="ko-KR" altLang="en-US" dirty="0">
-                <a:latin typeface="+mj-lt"/>
-              </a:rPr>
-              <a:t>시간대별</a:t>
-            </a:r>
-            <a:r>
-              <a:rPr lang="en-US" altLang="ko-KR" dirty="0">
-                <a:latin typeface="+mj-lt"/>
-              </a:rPr>
-              <a:t>, </a:t>
-            </a:r>
-            <a:r>
-              <a:rPr lang="ko-KR" altLang="en-US" dirty="0">
-                <a:latin typeface="+mj-lt"/>
-              </a:rPr>
-              <a:t>지역별 정보를 동시에 담을 수 있게 데이터 변환</a:t>
-            </a:r>
-            <a:endParaRPr lang="en-US" altLang="ko-KR" dirty="0">
-              <a:latin typeface="+mj-lt"/>
-            </a:endParaRPr>
-          </a:p>
-        </p:txBody>
-      </p:sp>
-      <p:pic>
-        <p:nvPicPr>
-          <p:cNvPr id="7" name="그림 6">
-            <a:extLst>
-              <a:ext uri="{FF2B5EF4-FFF2-40B4-BE49-F238E27FC236}">
-                <a16:creationId xmlns:a16="http://schemas.microsoft.com/office/drawing/2014/main" id="{2F245BCD-0431-354B-AFBB-A1EBD1401081}"/>
-              </a:ext>
-            </a:extLst>
-          </p:cNvPr>
-          <p:cNvPicPr>
-            <a:picLocks noChangeAspect="1"/>
-          </p:cNvPicPr>
-          <p:nvPr/>
-        </p:nvPicPr>
-        <p:blipFill>
-          <a:blip r:embed="rId2"/>
-          <a:stretch>
-            <a:fillRect/>
-          </a:stretch>
-        </p:blipFill>
-        <p:spPr>
-          <a:xfrm>
-            <a:off x="971107" y="3034540"/>
-            <a:ext cx="3380825" cy="2312243"/>
-          </a:xfrm>
-          <a:prstGeom prst="rect">
-            <a:avLst/>
-          </a:prstGeom>
-        </p:spPr>
-      </p:pic>
-      <p:pic>
-        <p:nvPicPr>
-          <p:cNvPr id="9" name="그림 8">
-            <a:extLst>
-              <a:ext uri="{FF2B5EF4-FFF2-40B4-BE49-F238E27FC236}">
-                <a16:creationId xmlns:a16="http://schemas.microsoft.com/office/drawing/2014/main" id="{B959188E-4BCF-EA29-84E0-A8F64F8A7815}"/>
-              </a:ext>
-            </a:extLst>
-          </p:cNvPr>
-          <p:cNvPicPr>
-            <a:picLocks noChangeAspect="1"/>
-          </p:cNvPicPr>
-          <p:nvPr/>
-        </p:nvPicPr>
-        <p:blipFill>
-          <a:blip r:embed="rId3"/>
-          <a:stretch>
-            <a:fillRect/>
-          </a:stretch>
-        </p:blipFill>
-        <p:spPr>
-          <a:xfrm>
-            <a:off x="971107" y="2599526"/>
-            <a:ext cx="5320901" cy="396415"/>
-          </a:xfrm>
-          <a:prstGeom prst="rect">
-            <a:avLst/>
-          </a:prstGeom>
-        </p:spPr>
-      </p:pic>
-      <p:pic>
-        <p:nvPicPr>
-          <p:cNvPr id="12" name="그림 11">
-            <a:extLst>
-              <a:ext uri="{FF2B5EF4-FFF2-40B4-BE49-F238E27FC236}">
-                <a16:creationId xmlns:a16="http://schemas.microsoft.com/office/drawing/2014/main" id="{DAA35860-E5AD-61A5-CA18-68AB4DCA81EE}"/>
-              </a:ext>
-            </a:extLst>
-          </p:cNvPr>
-          <p:cNvPicPr>
-            <a:picLocks noChangeAspect="1"/>
-          </p:cNvPicPr>
-          <p:nvPr/>
-        </p:nvPicPr>
-        <p:blipFill>
-          <a:blip r:embed="rId4"/>
-          <a:stretch>
-            <a:fillRect/>
-          </a:stretch>
-        </p:blipFill>
-        <p:spPr>
-          <a:xfrm>
-            <a:off x="4351932" y="3169478"/>
-            <a:ext cx="6197600" cy="1664866"/>
-          </a:xfrm>
-          <a:prstGeom prst="rect">
-            <a:avLst/>
-          </a:prstGeom>
-        </p:spPr>
-      </p:pic>
-    </p:spTree>
-    <p:extLst>
-      <p:ext uri="{BB962C8B-B14F-4D97-AF65-F5344CB8AC3E}">
-        <p14:creationId xmlns:p14="http://schemas.microsoft.com/office/powerpoint/2010/main" val="393511553"/>
-      </p:ext>
-    </p:extLst>
-  </p:cSld>
-  <p:clrMapOvr>
-    <a:masterClrMapping/>
-  </p:clrMapOvr>
-</p:sld>
-</file>
-
-<file path=ppt/slides/slide4.xml><?xml version="1.0" encoding="utf-8"?>
-<p:sld xmlns:a="http://schemas.openxmlformats.org/drawingml/2006/main" xmlns:r="http://schemas.openxmlformats.org/officeDocument/2006/relationships" xmlns:p="http://schemas.openxmlformats.org/presentationml/2006/main">
-  <p:cSld>
-    <p:spTree>
-      <p:nvGrpSpPr>
-        <p:cNvPr id="1" name="">
-          <a:extLst>
-            <a:ext uri="{FF2B5EF4-FFF2-40B4-BE49-F238E27FC236}">
-              <a16:creationId xmlns:a16="http://schemas.microsoft.com/office/drawing/2014/main" id="{00877C4B-3844-F60B-056B-53B0D57BCC5A}"/>
-            </a:ext>
-          </a:extLst>
-        </p:cNvPr>
-        <p:cNvGrpSpPr/>
-        <p:nvPr/>
-      </p:nvGrpSpPr>
-      <p:grpSpPr>
-        <a:xfrm>
-          <a:off x="0" y="0"/>
-          <a:ext cx="0" cy="0"/>
-          <a:chOff x="0" y="0"/>
-          <a:chExt cx="0" cy="0"/>
-        </a:xfrm>
-      </p:grpSpPr>
-      <p:sp>
-        <p:nvSpPr>
-          <p:cNvPr id="2" name="제목 1">
-            <a:extLst>
-              <a:ext uri="{FF2B5EF4-FFF2-40B4-BE49-F238E27FC236}">
-                <a16:creationId xmlns:a16="http://schemas.microsoft.com/office/drawing/2014/main" id="{1C2259BD-81FF-0023-5511-6A22CE26DFF6}"/>
-              </a:ext>
-            </a:extLst>
-          </p:cNvPr>
-          <p:cNvSpPr>
-            <a:spLocks noGrp="1"/>
-          </p:cNvSpPr>
-          <p:nvPr>
-            <p:ph type="title"/>
-          </p:nvPr>
-        </p:nvSpPr>
-        <p:spPr/>
-        <p:txBody>
-          <a:bodyPr/>
-          <a:lstStyle/>
-          <a:p>
-            <a:r>
-              <a:rPr lang="ko-KR" altLang="en-US" dirty="0">
-                <a:latin typeface="+mj-lt"/>
-              </a:rPr>
-              <a:t>데이터 시각화</a:t>
-            </a:r>
-          </a:p>
-        </p:txBody>
-      </p:sp>
-      <p:sp>
-        <p:nvSpPr>
-          <p:cNvPr id="3" name="TextBox 2">
-            <a:extLst>
-              <a:ext uri="{FF2B5EF4-FFF2-40B4-BE49-F238E27FC236}">
-                <a16:creationId xmlns:a16="http://schemas.microsoft.com/office/drawing/2014/main" id="{C33A0F64-5CD8-64E9-4CAC-1322FA201756}"/>
-              </a:ext>
-            </a:extLst>
-          </p:cNvPr>
-          <p:cNvSpPr txBox="1"/>
-          <p:nvPr/>
-        </p:nvSpPr>
-        <p:spPr>
-          <a:xfrm>
-            <a:off x="971107" y="1545265"/>
-            <a:ext cx="9145350" cy="1169551"/>
-          </a:xfrm>
-          <a:prstGeom prst="rect">
-            <a:avLst/>
-          </a:prstGeom>
-          <a:noFill/>
-        </p:spPr>
-        <p:txBody>
-          <a:bodyPr wrap="square" rtlCol="0">
-            <a:spAutoFit/>
-          </a:bodyPr>
-          <a:lstStyle/>
-          <a:p>
-            <a:pPr algn="l"/>
-            <a:r>
-              <a:rPr lang="ko-KR" altLang="en-US" sz="2400" dirty="0">
-                <a:latin typeface="+mj-lt"/>
-              </a:rPr>
-              <a:t>시간대별 시각화</a:t>
-            </a:r>
-            <a:endParaRPr lang="en-US" altLang="ko-KR" sz="2400" dirty="0">
-              <a:latin typeface="+mj-lt"/>
-            </a:endParaRPr>
-          </a:p>
-          <a:p>
-            <a:pPr marL="92075" indent="85725" algn="l">
-              <a:buFont typeface="Arial" panose="020B0604020202020204" pitchFamily="34" charset="0"/>
-              <a:buChar char="•"/>
-            </a:pPr>
-            <a:r>
-              <a:rPr lang="ko-KR" altLang="en-US" dirty="0">
-                <a:latin typeface="+mj-lt"/>
-              </a:rPr>
-              <a:t>병합한 </a:t>
-            </a:r>
-            <a:r>
-              <a:rPr lang="en-US" altLang="ko-KR" dirty="0">
-                <a:latin typeface="+mj-lt"/>
-              </a:rPr>
-              <a:t>csv</a:t>
-            </a:r>
-            <a:r>
-              <a:rPr lang="ko-KR" altLang="en-US" dirty="0">
-                <a:latin typeface="+mj-lt"/>
-              </a:rPr>
-              <a:t>파일을 </a:t>
-            </a:r>
-            <a:r>
-              <a:rPr lang="ko-KR" altLang="en-US" dirty="0" err="1">
-                <a:latin typeface="+mj-lt"/>
-              </a:rPr>
-              <a:t>히트맵과</a:t>
-            </a:r>
-            <a:r>
-              <a:rPr lang="ko-KR" altLang="en-US" dirty="0">
-                <a:latin typeface="+mj-lt"/>
-              </a:rPr>
-              <a:t> 바 차트를 사용해 어떤 범죄가 </a:t>
-            </a:r>
-            <a:r>
-              <a:rPr lang="ko-KR" altLang="en-US" dirty="0" err="1">
-                <a:latin typeface="+mj-lt"/>
-              </a:rPr>
-              <a:t>어느시간에</a:t>
-            </a:r>
-            <a:r>
-              <a:rPr lang="ko-KR" altLang="en-US" dirty="0">
-                <a:latin typeface="+mj-lt"/>
-              </a:rPr>
-              <a:t> </a:t>
-            </a:r>
-            <a:r>
-              <a:rPr lang="ko-KR" altLang="en-US" dirty="0" err="1">
-                <a:latin typeface="+mj-lt"/>
-              </a:rPr>
-              <a:t>많은지</a:t>
-            </a:r>
-            <a:r>
-              <a:rPr lang="ko-KR" altLang="en-US" dirty="0">
-                <a:latin typeface="+mj-lt"/>
-              </a:rPr>
-              <a:t> 확인</a:t>
-            </a:r>
-            <a:endParaRPr lang="en-US" altLang="ko-KR" dirty="0">
-              <a:latin typeface="+mj-lt"/>
-            </a:endParaRPr>
-          </a:p>
-          <a:p>
-            <a:pPr marL="549275" lvl="1" indent="85725">
-              <a:buFont typeface="Arial" panose="020B0604020202020204" pitchFamily="34" charset="0"/>
-              <a:buChar char="•"/>
-            </a:pPr>
-            <a:r>
-              <a:rPr lang="ko-KR" altLang="en-US" sz="1400" dirty="0">
-                <a:latin typeface="+mj-lt"/>
-              </a:rPr>
-              <a:t>시간대 확인결과 </a:t>
-            </a:r>
-            <a:r>
-              <a:rPr lang="en-US" altLang="ko-KR" sz="1400" dirty="0">
-                <a:latin typeface="+mj-lt"/>
-              </a:rPr>
-              <a:t>21</a:t>
-            </a:r>
-            <a:r>
-              <a:rPr lang="ko-KR" altLang="en-US" sz="1400" dirty="0">
-                <a:latin typeface="+mj-lt"/>
-              </a:rPr>
-              <a:t>시</a:t>
-            </a:r>
-            <a:r>
-              <a:rPr lang="en-US" altLang="ko-KR" sz="1400" dirty="0">
-                <a:latin typeface="+mj-lt"/>
-              </a:rPr>
-              <a:t>~00</a:t>
-            </a:r>
-            <a:r>
-              <a:rPr lang="ko-KR" altLang="en-US" sz="1400" dirty="0">
-                <a:latin typeface="+mj-lt"/>
-              </a:rPr>
-              <a:t>시가 가장 많은 범죄가 일어나는 것을 확인</a:t>
-            </a:r>
-            <a:r>
-              <a:rPr lang="en-US" altLang="ko-KR" sz="1400" dirty="0">
-                <a:latin typeface="+mj-lt"/>
-              </a:rPr>
-              <a:t>, </a:t>
-            </a:r>
-            <a:r>
-              <a:rPr lang="ko-KR" altLang="en-US" sz="1400" dirty="0">
-                <a:latin typeface="+mj-lt"/>
-              </a:rPr>
-              <a:t>또한 교통 및 폭력 범죄가 많이 일</a:t>
-            </a:r>
-            <a:br>
-              <a:rPr lang="en-US" altLang="ko-KR" sz="1400" dirty="0">
-                <a:latin typeface="+mj-lt"/>
-              </a:rPr>
-            </a:br>
-            <a:r>
-              <a:rPr lang="en-US" altLang="ko-KR" sz="1400" dirty="0">
-                <a:latin typeface="+mj-lt"/>
-              </a:rPr>
-              <a:t>  </a:t>
-            </a:r>
-            <a:r>
-              <a:rPr lang="ko-KR" altLang="en-US" sz="1400" dirty="0">
-                <a:latin typeface="+mj-lt"/>
-              </a:rPr>
-              <a:t>어 나는 것도 확인 할 수 있었음</a:t>
-            </a:r>
-            <a:endParaRPr lang="en-US" altLang="ko-KR" sz="1400" dirty="0">
-              <a:latin typeface="+mj-lt"/>
-            </a:endParaRPr>
-          </a:p>
-        </p:txBody>
-      </p:sp>
-      <p:pic>
-        <p:nvPicPr>
-          <p:cNvPr id="5" name="그림 4">
-            <a:extLst>
-              <a:ext uri="{FF2B5EF4-FFF2-40B4-BE49-F238E27FC236}">
-                <a16:creationId xmlns:a16="http://schemas.microsoft.com/office/drawing/2014/main" id="{0A4ACD11-D0AC-AA1D-9C58-E5ABDEC3A13D}"/>
-              </a:ext>
-            </a:extLst>
-          </p:cNvPr>
-          <p:cNvPicPr>
-            <a:picLocks noChangeAspect="1"/>
-          </p:cNvPicPr>
-          <p:nvPr/>
-        </p:nvPicPr>
-        <p:blipFill>
-          <a:blip r:embed="rId2"/>
-          <a:stretch>
-            <a:fillRect/>
-          </a:stretch>
-        </p:blipFill>
-        <p:spPr>
-          <a:xfrm>
-            <a:off x="845530" y="3146352"/>
-            <a:ext cx="3523269" cy="3248348"/>
-          </a:xfrm>
-          <a:prstGeom prst="rect">
-            <a:avLst/>
-          </a:prstGeom>
-        </p:spPr>
-      </p:pic>
-      <p:pic>
-        <p:nvPicPr>
-          <p:cNvPr id="8" name="그림 7">
-            <a:extLst>
-              <a:ext uri="{FF2B5EF4-FFF2-40B4-BE49-F238E27FC236}">
-                <a16:creationId xmlns:a16="http://schemas.microsoft.com/office/drawing/2014/main" id="{15865F14-CEE4-8849-7DC4-929255A946AE}"/>
-              </a:ext>
-            </a:extLst>
-          </p:cNvPr>
-          <p:cNvPicPr>
-            <a:picLocks noChangeAspect="1"/>
-          </p:cNvPicPr>
-          <p:nvPr/>
-        </p:nvPicPr>
-        <p:blipFill>
-          <a:blip r:embed="rId3"/>
-          <a:stretch>
-            <a:fillRect/>
-          </a:stretch>
-        </p:blipFill>
-        <p:spPr>
-          <a:xfrm>
-            <a:off x="4705771" y="3077029"/>
-            <a:ext cx="5410686" cy="3113314"/>
-          </a:xfrm>
-          <a:prstGeom prst="rect">
-            <a:avLst/>
-          </a:prstGeom>
-        </p:spPr>
-      </p:pic>
-    </p:spTree>
-    <p:extLst>
-      <p:ext uri="{BB962C8B-B14F-4D97-AF65-F5344CB8AC3E}">
-        <p14:creationId xmlns:p14="http://schemas.microsoft.com/office/powerpoint/2010/main" val="3551236187"/>
-      </p:ext>
-    </p:extLst>
-  </p:cSld>
-  <p:clrMapOvr>
-    <a:masterClrMapping/>
-  </p:clrMapOvr>
-</p:sld>
-</file>
-
-<file path=ppt/slides/slide5.xml><?xml version="1.0" encoding="utf-8"?>
+<file path=ppt/slides/slide10.xml><?xml version="1.0" encoding="utf-8"?>
 <p:sld xmlns:a="http://schemas.openxmlformats.org/drawingml/2006/main" xmlns:r="http://schemas.openxmlformats.org/officeDocument/2006/relationships" xmlns:p="http://schemas.openxmlformats.org/presentationml/2006/main">
   <p:cSld>
     <p:spTree>
@@ -5624,7 +4664,7 @@
 </p:sld>
 </file>
 
-<file path=ppt/slides/slide6.xml><?xml version="1.0" encoding="utf-8"?>
+<file path=ppt/slides/slide11.xml><?xml version="1.0" encoding="utf-8"?>
 <p:sld xmlns:a="http://schemas.openxmlformats.org/drawingml/2006/main" xmlns:r="http://schemas.openxmlformats.org/officeDocument/2006/relationships" xmlns:p="http://schemas.openxmlformats.org/presentationml/2006/main">
   <p:cSld>
     <p:spTree>
@@ -6018,7 +5058,7 @@
 </p:sld>
 </file>
 
-<file path=ppt/slides/slide7.xml><?xml version="1.0" encoding="utf-8"?>
+<file path=ppt/slides/slide12.xml><?xml version="1.0" encoding="utf-8"?>
 <p:sld xmlns:a="http://schemas.openxmlformats.org/drawingml/2006/main" xmlns:r="http://schemas.openxmlformats.org/officeDocument/2006/relationships" xmlns:p="http://schemas.openxmlformats.org/presentationml/2006/main">
   <p:cSld>
     <p:spTree>
@@ -6258,7 +5298,7 @@
 </p:sld>
 </file>
 
-<file path=ppt/slides/slide8.xml><?xml version="1.0" encoding="utf-8"?>
+<file path=ppt/slides/slide13.xml><?xml version="1.0" encoding="utf-8"?>
 <p:sld xmlns:a="http://schemas.openxmlformats.org/drawingml/2006/main" xmlns:r="http://schemas.openxmlformats.org/officeDocument/2006/relationships" xmlns:p="http://schemas.openxmlformats.org/presentationml/2006/main">
   <p:cSld>
     <p:spTree>
@@ -6529,7 +5569,516 @@
 </p:sld>
 </file>
 
-<file path=ppt/slides/slide9.xml><?xml version="1.0" encoding="utf-8"?>
+<file path=ppt/slides/slide14.xml><?xml version="1.0" encoding="utf-8"?>
+<p:sld xmlns:a="http://schemas.openxmlformats.org/drawingml/2006/main" xmlns:r="http://schemas.openxmlformats.org/officeDocument/2006/relationships" xmlns:p="http://schemas.openxmlformats.org/presentationml/2006/main">
+  <p:cSld>
+    <p:spTree>
+      <p:nvGrpSpPr>
+        <p:cNvPr id="1" name="">
+          <a:extLst>
+            <a:ext uri="{FF2B5EF4-FFF2-40B4-BE49-F238E27FC236}">
+              <a16:creationId xmlns:a16="http://schemas.microsoft.com/office/drawing/2014/main" id="{C8B5B265-CD6B-6256-4A9A-F6FF89172817}"/>
+            </a:ext>
+          </a:extLst>
+        </p:cNvPr>
+        <p:cNvGrpSpPr/>
+        <p:nvPr/>
+      </p:nvGrpSpPr>
+      <p:grpSpPr>
+        <a:xfrm>
+          <a:off x="0" y="0"/>
+          <a:ext cx="0" cy="0"/>
+          <a:chOff x="0" y="0"/>
+          <a:chExt cx="0" cy="0"/>
+        </a:xfrm>
+      </p:grpSpPr>
+      <p:sp>
+        <p:nvSpPr>
+          <p:cNvPr id="4" name="직사각형 3">
+            <a:extLst>
+              <a:ext uri="{FF2B5EF4-FFF2-40B4-BE49-F238E27FC236}">
+                <a16:creationId xmlns:a16="http://schemas.microsoft.com/office/drawing/2014/main" id="{241A2F01-69B1-16E2-0B9B-A5ACA213B7D2}"/>
+              </a:ext>
+            </a:extLst>
+          </p:cNvPr>
+          <p:cNvSpPr/>
+          <p:nvPr/>
+        </p:nvSpPr>
+        <p:spPr>
+          <a:xfrm>
+            <a:off x="2796997" y="2826123"/>
+            <a:ext cx="5504330" cy="1205753"/>
+          </a:xfrm>
+          <a:prstGeom prst="rect">
+            <a:avLst/>
+          </a:prstGeom>
+          <a:solidFill>
+            <a:schemeClr val="bg1"/>
+          </a:solidFill>
+          <a:ln>
+            <a:solidFill>
+              <a:schemeClr val="bg1"/>
+            </a:solidFill>
+          </a:ln>
+        </p:spPr>
+        <p:style>
+          <a:lnRef idx="2">
+            <a:schemeClr val="accent1">
+              <a:shade val="50000"/>
+            </a:schemeClr>
+          </a:lnRef>
+          <a:fillRef idx="1">
+            <a:schemeClr val="accent1"/>
+          </a:fillRef>
+          <a:effectRef idx="0">
+            <a:schemeClr val="accent1"/>
+          </a:effectRef>
+          <a:fontRef idx="minor">
+            <a:schemeClr val="lt1"/>
+          </a:fontRef>
+        </p:style>
+        <p:txBody>
+          <a:bodyPr rtlCol="0" anchor="ctr"/>
+          <a:lstStyle/>
+          <a:p>
+            <a:pPr algn="ctr"/>
+            <a:r>
+              <a:rPr lang="en-US" altLang="ko-KR" sz="6000" b="1" dirty="0">
+                <a:solidFill>
+                  <a:srgbClr val="002060"/>
+                </a:solidFill>
+                <a:latin typeface="맑은 고딕" panose="020B0503020000020004" pitchFamily="50" charset="-127"/>
+                <a:ea typeface="맑은 고딕" panose="020B0503020000020004" pitchFamily="50" charset="-127"/>
+              </a:rPr>
+              <a:t>01. </a:t>
+            </a:r>
+            <a:r>
+              <a:rPr lang="ko-KR" altLang="en-US" sz="6000" b="1" dirty="0">
+                <a:solidFill>
+                  <a:srgbClr val="002060"/>
+                </a:solidFill>
+                <a:latin typeface="맑은 고딕" panose="020B0503020000020004" pitchFamily="50" charset="-127"/>
+                <a:ea typeface="맑은 고딕" panose="020B0503020000020004" pitchFamily="50" charset="-127"/>
+              </a:rPr>
+              <a:t>서 론</a:t>
+            </a:r>
+          </a:p>
+        </p:txBody>
+      </p:sp>
+      <p:grpSp>
+        <p:nvGrpSpPr>
+          <p:cNvPr id="5" name="그룹 4">
+            <a:extLst>
+              <a:ext uri="{FF2B5EF4-FFF2-40B4-BE49-F238E27FC236}">
+                <a16:creationId xmlns:a16="http://schemas.microsoft.com/office/drawing/2014/main" id="{671D0C64-9B7D-1DD0-A082-667701DE3261}"/>
+              </a:ext>
+            </a:extLst>
+          </p:cNvPr>
+          <p:cNvGrpSpPr/>
+          <p:nvPr/>
+        </p:nvGrpSpPr>
+        <p:grpSpPr>
+          <a:xfrm>
+            <a:off x="2796997" y="2312892"/>
+            <a:ext cx="5363028" cy="2232213"/>
+            <a:chOff x="2303937" y="2312893"/>
+            <a:chExt cx="5665687" cy="2232213"/>
+          </a:xfrm>
+        </p:grpSpPr>
+        <p:sp>
+          <p:nvSpPr>
+            <p:cNvPr id="6" name="직사각형 5">
+              <a:extLst>
+                <a:ext uri="{FF2B5EF4-FFF2-40B4-BE49-F238E27FC236}">
+                  <a16:creationId xmlns:a16="http://schemas.microsoft.com/office/drawing/2014/main" id="{E33BCDCE-2142-F97C-C174-6AFEAAFEFF2C}"/>
+                </a:ext>
+              </a:extLst>
+            </p:cNvPr>
+            <p:cNvSpPr/>
+            <p:nvPr/>
+          </p:nvSpPr>
+          <p:spPr>
+            <a:xfrm>
+              <a:off x="2303937" y="2826123"/>
+              <a:ext cx="5504330" cy="1205753"/>
+            </a:xfrm>
+            <a:prstGeom prst="rect">
+              <a:avLst/>
+            </a:prstGeom>
+            <a:solidFill>
+              <a:schemeClr val="bg1"/>
+            </a:solidFill>
+            <a:ln>
+              <a:solidFill>
+                <a:schemeClr val="bg1"/>
+              </a:solidFill>
+            </a:ln>
+          </p:spPr>
+          <p:style>
+            <a:lnRef idx="2">
+              <a:schemeClr val="accent1">
+                <a:shade val="50000"/>
+              </a:schemeClr>
+            </a:lnRef>
+            <a:fillRef idx="1">
+              <a:schemeClr val="accent1"/>
+            </a:fillRef>
+            <a:effectRef idx="0">
+              <a:schemeClr val="accent1"/>
+            </a:effectRef>
+            <a:fontRef idx="minor">
+              <a:schemeClr val="lt1"/>
+            </a:fontRef>
+          </p:style>
+          <p:txBody>
+            <a:bodyPr rtlCol="0" anchor="ctr"/>
+            <a:lstStyle/>
+            <a:p>
+              <a:pPr algn="ctr"/>
+              <a:r>
+                <a:rPr lang="en-US" altLang="ko-KR" sz="6000" b="1" dirty="0">
+                  <a:solidFill>
+                    <a:srgbClr val="002060"/>
+                  </a:solidFill>
+                  <a:latin typeface="맑은 고딕" panose="020B0503020000020004" pitchFamily="50" charset="-127"/>
+                  <a:ea typeface="맑은 고딕" panose="020B0503020000020004" pitchFamily="50" charset="-127"/>
+                </a:rPr>
+                <a:t>04. </a:t>
+              </a:r>
+              <a:r>
+                <a:rPr lang="ko-KR" altLang="en-US" sz="6000" b="1" dirty="0">
+                  <a:solidFill>
+                    <a:srgbClr val="002060"/>
+                  </a:solidFill>
+                  <a:latin typeface="맑은 고딕" panose="020B0503020000020004" pitchFamily="50" charset="-127"/>
+                  <a:ea typeface="맑은 고딕" panose="020B0503020000020004" pitchFamily="50" charset="-127"/>
+                </a:rPr>
+                <a:t>분석</a:t>
+              </a:r>
+            </a:p>
+          </p:txBody>
+        </p:sp>
+        <p:grpSp>
+          <p:nvGrpSpPr>
+            <p:cNvPr id="7" name="그룹 6">
+              <a:extLst>
+                <a:ext uri="{FF2B5EF4-FFF2-40B4-BE49-F238E27FC236}">
+                  <a16:creationId xmlns:a16="http://schemas.microsoft.com/office/drawing/2014/main" id="{94684320-2C1E-3939-FFDD-3A5D51194292}"/>
+                </a:ext>
+              </a:extLst>
+            </p:cNvPr>
+            <p:cNvGrpSpPr/>
+            <p:nvPr/>
+          </p:nvGrpSpPr>
+          <p:grpSpPr>
+            <a:xfrm>
+              <a:off x="2958353" y="2312893"/>
+              <a:ext cx="5011271" cy="2232213"/>
+              <a:chOff x="2958353" y="2312893"/>
+              <a:chExt cx="5011271" cy="2232213"/>
+            </a:xfrm>
+          </p:grpSpPr>
+          <p:sp>
+            <p:nvSpPr>
+              <p:cNvPr id="8" name="직사각형 7">
+                <a:extLst>
+                  <a:ext uri="{FF2B5EF4-FFF2-40B4-BE49-F238E27FC236}">
+                    <a16:creationId xmlns:a16="http://schemas.microsoft.com/office/drawing/2014/main" id="{57BB0CA1-2A74-5767-E814-62E818BF63BA}"/>
+                  </a:ext>
+                </a:extLst>
+              </p:cNvPr>
+              <p:cNvSpPr/>
+              <p:nvPr/>
+            </p:nvSpPr>
+            <p:spPr>
+              <a:xfrm>
+                <a:off x="2958353" y="2312893"/>
+                <a:ext cx="45719" cy="340659"/>
+              </a:xfrm>
+              <a:prstGeom prst="rect">
+                <a:avLst/>
+              </a:prstGeom>
+              <a:solidFill>
+                <a:srgbClr val="0455BF"/>
+              </a:solidFill>
+              <a:ln>
+                <a:solidFill>
+                  <a:srgbClr val="0455BF"/>
+                </a:solidFill>
+              </a:ln>
+            </p:spPr>
+            <p:style>
+              <a:lnRef idx="2">
+                <a:schemeClr val="accent1">
+                  <a:shade val="50000"/>
+                </a:schemeClr>
+              </a:lnRef>
+              <a:fillRef idx="1">
+                <a:schemeClr val="accent1"/>
+              </a:fillRef>
+              <a:effectRef idx="0">
+                <a:schemeClr val="accent1"/>
+              </a:effectRef>
+              <a:fontRef idx="minor">
+                <a:schemeClr val="lt1"/>
+              </a:fontRef>
+            </p:style>
+            <p:txBody>
+              <a:bodyPr rtlCol="0" anchor="ctr"/>
+              <a:lstStyle/>
+              <a:p>
+                <a:pPr algn="ctr"/>
+                <a:endParaRPr lang="ko-KR" altLang="en-US" b="1">
+                  <a:latin typeface="맑은 고딕" panose="020B0503020000020004" pitchFamily="50" charset="-127"/>
+                  <a:ea typeface="맑은 고딕" panose="020B0503020000020004" pitchFamily="50" charset="-127"/>
+                </a:endParaRPr>
+              </a:p>
+            </p:txBody>
+          </p:sp>
+          <p:sp>
+            <p:nvSpPr>
+              <p:cNvPr id="9" name="직사각형 8">
+                <a:extLst>
+                  <a:ext uri="{FF2B5EF4-FFF2-40B4-BE49-F238E27FC236}">
+                    <a16:creationId xmlns:a16="http://schemas.microsoft.com/office/drawing/2014/main" id="{30FAC74E-B138-16D6-52E8-31AB6DD013A9}"/>
+                  </a:ext>
+                </a:extLst>
+              </p:cNvPr>
+              <p:cNvSpPr/>
+              <p:nvPr/>
+            </p:nvSpPr>
+            <p:spPr>
+              <a:xfrm>
+                <a:off x="2958353" y="4204447"/>
+                <a:ext cx="45719" cy="340659"/>
+              </a:xfrm>
+              <a:prstGeom prst="rect">
+                <a:avLst/>
+              </a:prstGeom>
+              <a:solidFill>
+                <a:srgbClr val="0455BF"/>
+              </a:solidFill>
+              <a:ln>
+                <a:solidFill>
+                  <a:srgbClr val="0455BF"/>
+                </a:solidFill>
+              </a:ln>
+            </p:spPr>
+            <p:style>
+              <a:lnRef idx="2">
+                <a:schemeClr val="accent1">
+                  <a:shade val="50000"/>
+                </a:schemeClr>
+              </a:lnRef>
+              <a:fillRef idx="1">
+                <a:schemeClr val="accent1"/>
+              </a:fillRef>
+              <a:effectRef idx="0">
+                <a:schemeClr val="accent1"/>
+              </a:effectRef>
+              <a:fontRef idx="minor">
+                <a:schemeClr val="lt1"/>
+              </a:fontRef>
+            </p:style>
+            <p:txBody>
+              <a:bodyPr rtlCol="0" anchor="ctr"/>
+              <a:lstStyle/>
+              <a:p>
+                <a:pPr algn="ctr"/>
+                <a:endParaRPr lang="ko-KR" altLang="en-US" b="1">
+                  <a:latin typeface="맑은 고딕" panose="020B0503020000020004" pitchFamily="50" charset="-127"/>
+                  <a:ea typeface="맑은 고딕" panose="020B0503020000020004" pitchFamily="50" charset="-127"/>
+                </a:endParaRPr>
+              </a:p>
+            </p:txBody>
+          </p:sp>
+          <p:sp>
+            <p:nvSpPr>
+              <p:cNvPr id="10" name="직사각형 9">
+                <a:extLst>
+                  <a:ext uri="{FF2B5EF4-FFF2-40B4-BE49-F238E27FC236}">
+                    <a16:creationId xmlns:a16="http://schemas.microsoft.com/office/drawing/2014/main" id="{CC0405E6-DE77-F198-4A1C-792364AF1FDF}"/>
+                  </a:ext>
+                </a:extLst>
+              </p:cNvPr>
+              <p:cNvSpPr/>
+              <p:nvPr/>
+            </p:nvSpPr>
+            <p:spPr>
+              <a:xfrm>
+                <a:off x="2958353" y="2312893"/>
+                <a:ext cx="5011271" cy="45719"/>
+              </a:xfrm>
+              <a:prstGeom prst="rect">
+                <a:avLst/>
+              </a:prstGeom>
+              <a:solidFill>
+                <a:srgbClr val="0455BF"/>
+              </a:solidFill>
+              <a:ln>
+                <a:solidFill>
+                  <a:srgbClr val="0455BF"/>
+                </a:solidFill>
+              </a:ln>
+            </p:spPr>
+            <p:style>
+              <a:lnRef idx="2">
+                <a:schemeClr val="accent1">
+                  <a:shade val="50000"/>
+                </a:schemeClr>
+              </a:lnRef>
+              <a:fillRef idx="1">
+                <a:schemeClr val="accent1"/>
+              </a:fillRef>
+              <a:effectRef idx="0">
+                <a:schemeClr val="accent1"/>
+              </a:effectRef>
+              <a:fontRef idx="minor">
+                <a:schemeClr val="lt1"/>
+              </a:fontRef>
+            </p:style>
+            <p:txBody>
+              <a:bodyPr rtlCol="0" anchor="ctr"/>
+              <a:lstStyle/>
+              <a:p>
+                <a:pPr algn="ctr"/>
+                <a:endParaRPr lang="ko-KR" altLang="en-US" b="1" dirty="0">
+                  <a:latin typeface="맑은 고딕" panose="020B0503020000020004" pitchFamily="50" charset="-127"/>
+                  <a:ea typeface="맑은 고딕" panose="020B0503020000020004" pitchFamily="50" charset="-127"/>
+                </a:endParaRPr>
+              </a:p>
+            </p:txBody>
+          </p:sp>
+          <p:sp>
+            <p:nvSpPr>
+              <p:cNvPr id="11" name="직사각형 10">
+                <a:extLst>
+                  <a:ext uri="{FF2B5EF4-FFF2-40B4-BE49-F238E27FC236}">
+                    <a16:creationId xmlns:a16="http://schemas.microsoft.com/office/drawing/2014/main" id="{CABC19AC-E376-9F13-6553-D15410E89EEF}"/>
+                  </a:ext>
+                </a:extLst>
+              </p:cNvPr>
+              <p:cNvSpPr/>
+              <p:nvPr/>
+            </p:nvSpPr>
+            <p:spPr>
+              <a:xfrm>
+                <a:off x="2958353" y="4499387"/>
+                <a:ext cx="5011271" cy="45719"/>
+              </a:xfrm>
+              <a:prstGeom prst="rect">
+                <a:avLst/>
+              </a:prstGeom>
+              <a:solidFill>
+                <a:srgbClr val="0455BF"/>
+              </a:solidFill>
+              <a:ln>
+                <a:solidFill>
+                  <a:srgbClr val="0455BF"/>
+                </a:solidFill>
+              </a:ln>
+            </p:spPr>
+            <p:style>
+              <a:lnRef idx="2">
+                <a:schemeClr val="accent1">
+                  <a:shade val="50000"/>
+                </a:schemeClr>
+              </a:lnRef>
+              <a:fillRef idx="1">
+                <a:schemeClr val="accent1"/>
+              </a:fillRef>
+              <a:effectRef idx="0">
+                <a:schemeClr val="accent1"/>
+              </a:effectRef>
+              <a:fontRef idx="minor">
+                <a:schemeClr val="lt1"/>
+              </a:fontRef>
+            </p:style>
+            <p:txBody>
+              <a:bodyPr rtlCol="0" anchor="ctr"/>
+              <a:lstStyle/>
+              <a:p>
+                <a:pPr algn="ctr"/>
+                <a:endParaRPr lang="ko-KR" altLang="en-US" b="1">
+                  <a:latin typeface="맑은 고딕" panose="020B0503020000020004" pitchFamily="50" charset="-127"/>
+                  <a:ea typeface="맑은 고딕" panose="020B0503020000020004" pitchFamily="50" charset="-127"/>
+                </a:endParaRPr>
+              </a:p>
+            </p:txBody>
+          </p:sp>
+          <p:sp>
+            <p:nvSpPr>
+              <p:cNvPr id="12" name="직사각형 11">
+                <a:extLst>
+                  <a:ext uri="{FF2B5EF4-FFF2-40B4-BE49-F238E27FC236}">
+                    <a16:creationId xmlns:a16="http://schemas.microsoft.com/office/drawing/2014/main" id="{EDBFE1C5-F2C2-1072-91DE-C3C0E38A8FC6}"/>
+                  </a:ext>
+                </a:extLst>
+              </p:cNvPr>
+              <p:cNvSpPr/>
+              <p:nvPr/>
+            </p:nvSpPr>
+            <p:spPr>
+              <a:xfrm>
+                <a:off x="7923905" y="2312893"/>
+                <a:ext cx="45719" cy="2232213"/>
+              </a:xfrm>
+              <a:prstGeom prst="rect">
+                <a:avLst/>
+              </a:prstGeom>
+              <a:solidFill>
+                <a:srgbClr val="0455BF"/>
+              </a:solidFill>
+              <a:ln>
+                <a:solidFill>
+                  <a:srgbClr val="0455BF"/>
+                </a:solidFill>
+              </a:ln>
+            </p:spPr>
+            <p:style>
+              <a:lnRef idx="2">
+                <a:schemeClr val="accent1">
+                  <a:shade val="50000"/>
+                </a:schemeClr>
+              </a:lnRef>
+              <a:fillRef idx="1">
+                <a:schemeClr val="accent1"/>
+              </a:fillRef>
+              <a:effectRef idx="0">
+                <a:schemeClr val="accent1"/>
+              </a:effectRef>
+              <a:fontRef idx="minor">
+                <a:schemeClr val="lt1"/>
+              </a:fontRef>
+            </p:style>
+            <p:txBody>
+              <a:bodyPr rtlCol="0" anchor="ctr"/>
+              <a:lstStyle/>
+              <a:p>
+                <a:pPr algn="ctr"/>
+                <a:endParaRPr lang="ko-KR" altLang="en-US" b="1">
+                  <a:latin typeface="맑은 고딕" panose="020B0503020000020004" pitchFamily="50" charset="-127"/>
+                  <a:ea typeface="맑은 고딕" panose="020B0503020000020004" pitchFamily="50" charset="-127"/>
+                </a:endParaRPr>
+              </a:p>
+            </p:txBody>
+          </p:sp>
+        </p:grpSp>
+      </p:grpSp>
+    </p:spTree>
+    <p:extLst>
+      <p:ext uri="{BB962C8B-B14F-4D97-AF65-F5344CB8AC3E}">
+        <p14:creationId xmlns:p14="http://schemas.microsoft.com/office/powerpoint/2010/main" val="1262811217"/>
+      </p:ext>
+    </p:extLst>
+  </p:cSld>
+  <p:clrMapOvr>
+    <a:masterClrMapping/>
+  </p:clrMapOvr>
+</p:sld>
+</file>
+
+<file path=ppt/slides/slide15.xml><?xml version="1.0" encoding="utf-8"?>
 <p:sld xmlns:a="http://schemas.openxmlformats.org/drawingml/2006/main" xmlns:r="http://schemas.openxmlformats.org/officeDocument/2006/relationships" xmlns:p="http://schemas.openxmlformats.org/presentationml/2006/main">
   <p:cSld>
     <p:spTree>
@@ -6577,7 +6126,7 @@
               <a:rPr lang="ko-KR" altLang="en-US" dirty="0">
                 <a:latin typeface="+mj-lt"/>
               </a:rPr>
-              <a:t>데이터 시각화</a:t>
+              <a:t>분석</a:t>
             </a:r>
           </a:p>
         </p:txBody>
@@ -6766,6 +6315,2984 @@
     <p:extLst>
       <p:ext uri="{BB962C8B-B14F-4D97-AF65-F5344CB8AC3E}">
         <p14:creationId xmlns:p14="http://schemas.microsoft.com/office/powerpoint/2010/main" val="1074675677"/>
+      </p:ext>
+    </p:extLst>
+  </p:cSld>
+  <p:clrMapOvr>
+    <a:masterClrMapping/>
+  </p:clrMapOvr>
+</p:sld>
+</file>
+
+<file path=ppt/slides/slide2.xml><?xml version="1.0" encoding="utf-8"?>
+<p:sld xmlns:a="http://schemas.openxmlformats.org/drawingml/2006/main" xmlns:r="http://schemas.openxmlformats.org/officeDocument/2006/relationships" xmlns:p="http://schemas.openxmlformats.org/presentationml/2006/main">
+  <p:cSld>
+    <p:spTree>
+      <p:nvGrpSpPr>
+        <p:cNvPr id="1" name=""/>
+        <p:cNvGrpSpPr/>
+        <p:nvPr/>
+      </p:nvGrpSpPr>
+      <p:grpSpPr>
+        <a:xfrm>
+          <a:off x="0" y="0"/>
+          <a:ext cx="0" cy="0"/>
+          <a:chOff x="0" y="0"/>
+          <a:chExt cx="0" cy="0"/>
+        </a:xfrm>
+      </p:grpSpPr>
+      <p:sp>
+        <p:nvSpPr>
+          <p:cNvPr id="2" name="제목 1">
+            <a:extLst>
+              <a:ext uri="{FF2B5EF4-FFF2-40B4-BE49-F238E27FC236}">
+                <a16:creationId xmlns:a16="http://schemas.microsoft.com/office/drawing/2014/main" id="{DAA93C55-37C0-4490-AC21-E39C9E68781A}"/>
+              </a:ext>
+            </a:extLst>
+          </p:cNvPr>
+          <p:cNvSpPr>
+            <a:spLocks noGrp="1"/>
+          </p:cNvSpPr>
+          <p:nvPr>
+            <p:ph type="title"/>
+          </p:nvPr>
+        </p:nvSpPr>
+        <p:spPr>
+          <a:xfrm>
+            <a:off x="470647" y="185832"/>
+            <a:ext cx="1313329" cy="746499"/>
+          </a:xfrm>
+        </p:spPr>
+        <p:txBody>
+          <a:bodyPr>
+            <a:normAutofit/>
+          </a:bodyPr>
+          <a:lstStyle/>
+          <a:p>
+            <a:r>
+              <a:rPr lang="ko-KR" altLang="en-US" b="1" dirty="0">
+                <a:solidFill>
+                  <a:srgbClr val="002060"/>
+                </a:solidFill>
+              </a:rPr>
+              <a:t>목차</a:t>
+            </a:r>
+          </a:p>
+        </p:txBody>
+      </p:sp>
+      <p:sp>
+        <p:nvSpPr>
+          <p:cNvPr id="3" name="내용 개체 틀 2">
+            <a:extLst>
+              <a:ext uri="{FF2B5EF4-FFF2-40B4-BE49-F238E27FC236}">
+                <a16:creationId xmlns:a16="http://schemas.microsoft.com/office/drawing/2014/main" id="{50D41AE5-EE88-4E54-A28C-4AE546FCFFF1}"/>
+              </a:ext>
+            </a:extLst>
+          </p:cNvPr>
+          <p:cNvSpPr>
+            <a:spLocks noGrp="1"/>
+          </p:cNvSpPr>
+          <p:nvPr>
+            <p:ph idx="1"/>
+          </p:nvPr>
+        </p:nvSpPr>
+        <p:spPr>
+          <a:xfrm>
+            <a:off x="703729" y="1911630"/>
+            <a:ext cx="3133166" cy="3807852"/>
+          </a:xfrm>
+        </p:spPr>
+        <p:txBody>
+          <a:bodyPr>
+            <a:normAutofit fontScale="85000" lnSpcReduction="20000"/>
+          </a:bodyPr>
+          <a:lstStyle/>
+          <a:p>
+            <a:pPr marL="514350" indent="-514350">
+              <a:buAutoNum type="arabicPeriod"/>
+            </a:pPr>
+            <a:r>
+              <a:rPr lang="ko-KR" altLang="en-US" dirty="0"/>
+              <a:t>개요</a:t>
+            </a:r>
+            <a:endParaRPr lang="en-US" altLang="ko-KR" dirty="0"/>
+          </a:p>
+          <a:p>
+            <a:pPr marL="514350" indent="-514350">
+              <a:buAutoNum type="arabicPeriod"/>
+            </a:pPr>
+            <a:endParaRPr lang="en-US" altLang="ko-KR" dirty="0"/>
+          </a:p>
+          <a:p>
+            <a:pPr marL="514350" indent="-514350">
+              <a:buAutoNum type="arabicPeriod"/>
+            </a:pPr>
+            <a:r>
+              <a:rPr lang="ko-KR" altLang="en-US" dirty="0" err="1"/>
+              <a:t>데이터전처리</a:t>
+            </a:r>
+            <a:endParaRPr lang="en-US" altLang="ko-KR" dirty="0"/>
+          </a:p>
+          <a:p>
+            <a:pPr marL="514350" indent="-514350">
+              <a:buAutoNum type="arabicPeriod"/>
+            </a:pPr>
+            <a:endParaRPr lang="en-US" altLang="ko-KR" dirty="0"/>
+          </a:p>
+          <a:p>
+            <a:pPr marL="514350" indent="-514350">
+              <a:buAutoNum type="arabicPeriod"/>
+            </a:pPr>
+            <a:r>
+              <a:rPr lang="ko-KR" altLang="en-US" dirty="0"/>
+              <a:t>데이터시각화</a:t>
+            </a:r>
+            <a:endParaRPr lang="en-US" altLang="ko-KR" dirty="0"/>
+          </a:p>
+          <a:p>
+            <a:pPr marL="514350" indent="-514350">
+              <a:buAutoNum type="arabicPeriod"/>
+            </a:pPr>
+            <a:endParaRPr lang="en-US" altLang="ko-KR" dirty="0"/>
+          </a:p>
+          <a:p>
+            <a:pPr marL="514350" indent="-514350">
+              <a:buAutoNum type="arabicPeriod"/>
+            </a:pPr>
+            <a:r>
+              <a:rPr lang="ko-KR" altLang="en-US" dirty="0"/>
+              <a:t>분석</a:t>
+            </a:r>
+            <a:endParaRPr lang="en-US" altLang="ko-KR" dirty="0"/>
+          </a:p>
+          <a:p>
+            <a:pPr marL="514350" indent="-514350">
+              <a:buAutoNum type="arabicPeriod"/>
+            </a:pPr>
+            <a:endParaRPr lang="en-US" altLang="ko-KR" dirty="0"/>
+          </a:p>
+          <a:p>
+            <a:pPr marL="0" indent="0">
+              <a:buNone/>
+            </a:pPr>
+            <a:endParaRPr lang="en-US" altLang="ko-KR" dirty="0"/>
+          </a:p>
+          <a:p>
+            <a:pPr marL="0" indent="0">
+              <a:buNone/>
+            </a:pPr>
+            <a:r>
+              <a:rPr lang="ko-KR" altLang="en-US" dirty="0"/>
+              <a:t>    </a:t>
+            </a:r>
+          </a:p>
+        </p:txBody>
+      </p:sp>
+    </p:spTree>
+    <p:extLst>
+      <p:ext uri="{BB962C8B-B14F-4D97-AF65-F5344CB8AC3E}">
+        <p14:creationId xmlns:p14="http://schemas.microsoft.com/office/powerpoint/2010/main" val="2167530169"/>
+      </p:ext>
+    </p:extLst>
+  </p:cSld>
+  <p:clrMapOvr>
+    <a:masterClrMapping/>
+  </p:clrMapOvr>
+</p:sld>
+</file>
+
+<file path=ppt/slides/slide3.xml><?xml version="1.0" encoding="utf-8"?>
+<p:sld xmlns:a="http://schemas.openxmlformats.org/drawingml/2006/main" xmlns:r="http://schemas.openxmlformats.org/officeDocument/2006/relationships" xmlns:p="http://schemas.openxmlformats.org/presentationml/2006/main">
+  <p:cSld>
+    <p:spTree>
+      <p:nvGrpSpPr>
+        <p:cNvPr id="1" name=""/>
+        <p:cNvGrpSpPr/>
+        <p:nvPr/>
+      </p:nvGrpSpPr>
+      <p:grpSpPr>
+        <a:xfrm>
+          <a:off x="0" y="0"/>
+          <a:ext cx="0" cy="0"/>
+          <a:chOff x="0" y="0"/>
+          <a:chExt cx="0" cy="0"/>
+        </a:xfrm>
+      </p:grpSpPr>
+      <p:sp>
+        <p:nvSpPr>
+          <p:cNvPr id="4" name="직사각형 3">
+            <a:extLst>
+              <a:ext uri="{FF2B5EF4-FFF2-40B4-BE49-F238E27FC236}">
+                <a16:creationId xmlns:a16="http://schemas.microsoft.com/office/drawing/2014/main" id="{BB77FE66-8DA8-4537-9FC9-38BFB7FA4162}"/>
+              </a:ext>
+            </a:extLst>
+          </p:cNvPr>
+          <p:cNvSpPr/>
+          <p:nvPr/>
+        </p:nvSpPr>
+        <p:spPr>
+          <a:xfrm>
+            <a:off x="2796997" y="2826123"/>
+            <a:ext cx="5504330" cy="1205753"/>
+          </a:xfrm>
+          <a:prstGeom prst="rect">
+            <a:avLst/>
+          </a:prstGeom>
+          <a:solidFill>
+            <a:schemeClr val="bg1"/>
+          </a:solidFill>
+          <a:ln>
+            <a:solidFill>
+              <a:schemeClr val="bg1"/>
+            </a:solidFill>
+          </a:ln>
+        </p:spPr>
+        <p:style>
+          <a:lnRef idx="2">
+            <a:schemeClr val="accent1">
+              <a:shade val="50000"/>
+            </a:schemeClr>
+          </a:lnRef>
+          <a:fillRef idx="1">
+            <a:schemeClr val="accent1"/>
+          </a:fillRef>
+          <a:effectRef idx="0">
+            <a:schemeClr val="accent1"/>
+          </a:effectRef>
+          <a:fontRef idx="minor">
+            <a:schemeClr val="lt1"/>
+          </a:fontRef>
+        </p:style>
+        <p:txBody>
+          <a:bodyPr rtlCol="0" anchor="ctr"/>
+          <a:lstStyle/>
+          <a:p>
+            <a:pPr algn="ctr"/>
+            <a:r>
+              <a:rPr lang="en-US" altLang="ko-KR" sz="6000" b="1" dirty="0">
+                <a:solidFill>
+                  <a:srgbClr val="002060"/>
+                </a:solidFill>
+                <a:latin typeface="맑은 고딕" panose="020B0503020000020004" pitchFamily="50" charset="-127"/>
+                <a:ea typeface="맑은 고딕" panose="020B0503020000020004" pitchFamily="50" charset="-127"/>
+              </a:rPr>
+              <a:t>01. </a:t>
+            </a:r>
+            <a:r>
+              <a:rPr lang="ko-KR" altLang="en-US" sz="6000" b="1" dirty="0">
+                <a:solidFill>
+                  <a:srgbClr val="002060"/>
+                </a:solidFill>
+                <a:latin typeface="맑은 고딕" panose="020B0503020000020004" pitchFamily="50" charset="-127"/>
+                <a:ea typeface="맑은 고딕" panose="020B0503020000020004" pitchFamily="50" charset="-127"/>
+              </a:rPr>
+              <a:t>서 론</a:t>
+            </a:r>
+          </a:p>
+        </p:txBody>
+      </p:sp>
+      <p:grpSp>
+        <p:nvGrpSpPr>
+          <p:cNvPr id="5" name="그룹 4">
+            <a:extLst>
+              <a:ext uri="{FF2B5EF4-FFF2-40B4-BE49-F238E27FC236}">
+                <a16:creationId xmlns:a16="http://schemas.microsoft.com/office/drawing/2014/main" id="{8915F44D-9145-4B58-8CB9-BA67C4D0DDC8}"/>
+              </a:ext>
+            </a:extLst>
+          </p:cNvPr>
+          <p:cNvGrpSpPr/>
+          <p:nvPr/>
+        </p:nvGrpSpPr>
+        <p:grpSpPr>
+          <a:xfrm>
+            <a:off x="2796997" y="2312893"/>
+            <a:ext cx="5665687" cy="2232213"/>
+            <a:chOff x="2303937" y="2312893"/>
+            <a:chExt cx="5665687" cy="2232213"/>
+          </a:xfrm>
+        </p:grpSpPr>
+        <p:sp>
+          <p:nvSpPr>
+            <p:cNvPr id="6" name="직사각형 5">
+              <a:extLst>
+                <a:ext uri="{FF2B5EF4-FFF2-40B4-BE49-F238E27FC236}">
+                  <a16:creationId xmlns:a16="http://schemas.microsoft.com/office/drawing/2014/main" id="{F7029624-51F0-42EF-981B-B25A774FBF7B}"/>
+                </a:ext>
+              </a:extLst>
+            </p:cNvPr>
+            <p:cNvSpPr/>
+            <p:nvPr/>
+          </p:nvSpPr>
+          <p:spPr>
+            <a:xfrm>
+              <a:off x="2303937" y="2826123"/>
+              <a:ext cx="5504330" cy="1205753"/>
+            </a:xfrm>
+            <a:prstGeom prst="rect">
+              <a:avLst/>
+            </a:prstGeom>
+            <a:solidFill>
+              <a:schemeClr val="bg1"/>
+            </a:solidFill>
+            <a:ln>
+              <a:solidFill>
+                <a:schemeClr val="bg1"/>
+              </a:solidFill>
+            </a:ln>
+          </p:spPr>
+          <p:style>
+            <a:lnRef idx="2">
+              <a:schemeClr val="accent1">
+                <a:shade val="50000"/>
+              </a:schemeClr>
+            </a:lnRef>
+            <a:fillRef idx="1">
+              <a:schemeClr val="accent1"/>
+            </a:fillRef>
+            <a:effectRef idx="0">
+              <a:schemeClr val="accent1"/>
+            </a:effectRef>
+            <a:fontRef idx="minor">
+              <a:schemeClr val="lt1"/>
+            </a:fontRef>
+          </p:style>
+          <p:txBody>
+            <a:bodyPr rtlCol="0" anchor="ctr"/>
+            <a:lstStyle/>
+            <a:p>
+              <a:pPr algn="ctr"/>
+              <a:r>
+                <a:rPr lang="en-US" altLang="ko-KR" sz="6000" b="1" dirty="0">
+                  <a:solidFill>
+                    <a:srgbClr val="002060"/>
+                  </a:solidFill>
+                  <a:latin typeface="맑은 고딕" panose="020B0503020000020004" pitchFamily="50" charset="-127"/>
+                  <a:ea typeface="맑은 고딕" panose="020B0503020000020004" pitchFamily="50" charset="-127"/>
+                </a:rPr>
+                <a:t>01. </a:t>
+              </a:r>
+              <a:r>
+                <a:rPr lang="ko-KR" altLang="en-US" sz="6000" b="1" dirty="0">
+                  <a:solidFill>
+                    <a:srgbClr val="002060"/>
+                  </a:solidFill>
+                  <a:latin typeface="맑은 고딕" panose="020B0503020000020004" pitchFamily="50" charset="-127"/>
+                  <a:ea typeface="맑은 고딕" panose="020B0503020000020004" pitchFamily="50" charset="-127"/>
+                </a:rPr>
+                <a:t>개요</a:t>
+              </a:r>
+            </a:p>
+          </p:txBody>
+        </p:sp>
+        <p:grpSp>
+          <p:nvGrpSpPr>
+            <p:cNvPr id="7" name="그룹 6">
+              <a:extLst>
+                <a:ext uri="{FF2B5EF4-FFF2-40B4-BE49-F238E27FC236}">
+                  <a16:creationId xmlns:a16="http://schemas.microsoft.com/office/drawing/2014/main" id="{91D9BA8B-6336-4259-8C54-90ECC1C75459}"/>
+                </a:ext>
+              </a:extLst>
+            </p:cNvPr>
+            <p:cNvGrpSpPr/>
+            <p:nvPr/>
+          </p:nvGrpSpPr>
+          <p:grpSpPr>
+            <a:xfrm>
+              <a:off x="2958353" y="2312893"/>
+              <a:ext cx="5011271" cy="2232213"/>
+              <a:chOff x="2958353" y="2312893"/>
+              <a:chExt cx="5011271" cy="2232213"/>
+            </a:xfrm>
+          </p:grpSpPr>
+          <p:sp>
+            <p:nvSpPr>
+              <p:cNvPr id="8" name="직사각형 7">
+                <a:extLst>
+                  <a:ext uri="{FF2B5EF4-FFF2-40B4-BE49-F238E27FC236}">
+                    <a16:creationId xmlns:a16="http://schemas.microsoft.com/office/drawing/2014/main" id="{CB0BB442-7312-4EE9-90D9-FAC7A5874CD2}"/>
+                  </a:ext>
+                </a:extLst>
+              </p:cNvPr>
+              <p:cNvSpPr/>
+              <p:nvPr/>
+            </p:nvSpPr>
+            <p:spPr>
+              <a:xfrm>
+                <a:off x="2958353" y="2312893"/>
+                <a:ext cx="45719" cy="340659"/>
+              </a:xfrm>
+              <a:prstGeom prst="rect">
+                <a:avLst/>
+              </a:prstGeom>
+              <a:solidFill>
+                <a:srgbClr val="0455BF"/>
+              </a:solidFill>
+              <a:ln>
+                <a:solidFill>
+                  <a:srgbClr val="0455BF"/>
+                </a:solidFill>
+              </a:ln>
+            </p:spPr>
+            <p:style>
+              <a:lnRef idx="2">
+                <a:schemeClr val="accent1">
+                  <a:shade val="50000"/>
+                </a:schemeClr>
+              </a:lnRef>
+              <a:fillRef idx="1">
+                <a:schemeClr val="accent1"/>
+              </a:fillRef>
+              <a:effectRef idx="0">
+                <a:schemeClr val="accent1"/>
+              </a:effectRef>
+              <a:fontRef idx="minor">
+                <a:schemeClr val="lt1"/>
+              </a:fontRef>
+            </p:style>
+            <p:txBody>
+              <a:bodyPr rtlCol="0" anchor="ctr"/>
+              <a:lstStyle/>
+              <a:p>
+                <a:pPr algn="ctr"/>
+                <a:endParaRPr lang="ko-KR" altLang="en-US" b="1">
+                  <a:latin typeface="맑은 고딕" panose="020B0503020000020004" pitchFamily="50" charset="-127"/>
+                  <a:ea typeface="맑은 고딕" panose="020B0503020000020004" pitchFamily="50" charset="-127"/>
+                </a:endParaRPr>
+              </a:p>
+            </p:txBody>
+          </p:sp>
+          <p:sp>
+            <p:nvSpPr>
+              <p:cNvPr id="9" name="직사각형 8">
+                <a:extLst>
+                  <a:ext uri="{FF2B5EF4-FFF2-40B4-BE49-F238E27FC236}">
+                    <a16:creationId xmlns:a16="http://schemas.microsoft.com/office/drawing/2014/main" id="{1C81B1FC-5481-43C3-BF2F-74EF0B3C5BE6}"/>
+                  </a:ext>
+                </a:extLst>
+              </p:cNvPr>
+              <p:cNvSpPr/>
+              <p:nvPr/>
+            </p:nvSpPr>
+            <p:spPr>
+              <a:xfrm>
+                <a:off x="2958353" y="4204447"/>
+                <a:ext cx="45719" cy="340659"/>
+              </a:xfrm>
+              <a:prstGeom prst="rect">
+                <a:avLst/>
+              </a:prstGeom>
+              <a:solidFill>
+                <a:srgbClr val="0455BF"/>
+              </a:solidFill>
+              <a:ln>
+                <a:solidFill>
+                  <a:srgbClr val="0455BF"/>
+                </a:solidFill>
+              </a:ln>
+            </p:spPr>
+            <p:style>
+              <a:lnRef idx="2">
+                <a:schemeClr val="accent1">
+                  <a:shade val="50000"/>
+                </a:schemeClr>
+              </a:lnRef>
+              <a:fillRef idx="1">
+                <a:schemeClr val="accent1"/>
+              </a:fillRef>
+              <a:effectRef idx="0">
+                <a:schemeClr val="accent1"/>
+              </a:effectRef>
+              <a:fontRef idx="minor">
+                <a:schemeClr val="lt1"/>
+              </a:fontRef>
+            </p:style>
+            <p:txBody>
+              <a:bodyPr rtlCol="0" anchor="ctr"/>
+              <a:lstStyle/>
+              <a:p>
+                <a:pPr algn="ctr"/>
+                <a:endParaRPr lang="ko-KR" altLang="en-US" b="1">
+                  <a:latin typeface="맑은 고딕" panose="020B0503020000020004" pitchFamily="50" charset="-127"/>
+                  <a:ea typeface="맑은 고딕" panose="020B0503020000020004" pitchFamily="50" charset="-127"/>
+                </a:endParaRPr>
+              </a:p>
+            </p:txBody>
+          </p:sp>
+          <p:sp>
+            <p:nvSpPr>
+              <p:cNvPr id="10" name="직사각형 9">
+                <a:extLst>
+                  <a:ext uri="{FF2B5EF4-FFF2-40B4-BE49-F238E27FC236}">
+                    <a16:creationId xmlns:a16="http://schemas.microsoft.com/office/drawing/2014/main" id="{DF74528A-80B2-4968-B175-F776035C2EE4}"/>
+                  </a:ext>
+                </a:extLst>
+              </p:cNvPr>
+              <p:cNvSpPr/>
+              <p:nvPr/>
+            </p:nvSpPr>
+            <p:spPr>
+              <a:xfrm>
+                <a:off x="2958353" y="2312893"/>
+                <a:ext cx="5011271" cy="45719"/>
+              </a:xfrm>
+              <a:prstGeom prst="rect">
+                <a:avLst/>
+              </a:prstGeom>
+              <a:solidFill>
+                <a:srgbClr val="0455BF"/>
+              </a:solidFill>
+              <a:ln>
+                <a:solidFill>
+                  <a:srgbClr val="0455BF"/>
+                </a:solidFill>
+              </a:ln>
+            </p:spPr>
+            <p:style>
+              <a:lnRef idx="2">
+                <a:schemeClr val="accent1">
+                  <a:shade val="50000"/>
+                </a:schemeClr>
+              </a:lnRef>
+              <a:fillRef idx="1">
+                <a:schemeClr val="accent1"/>
+              </a:fillRef>
+              <a:effectRef idx="0">
+                <a:schemeClr val="accent1"/>
+              </a:effectRef>
+              <a:fontRef idx="minor">
+                <a:schemeClr val="lt1"/>
+              </a:fontRef>
+            </p:style>
+            <p:txBody>
+              <a:bodyPr rtlCol="0" anchor="ctr"/>
+              <a:lstStyle/>
+              <a:p>
+                <a:pPr algn="ctr"/>
+                <a:endParaRPr lang="ko-KR" altLang="en-US" b="1" dirty="0">
+                  <a:latin typeface="맑은 고딕" panose="020B0503020000020004" pitchFamily="50" charset="-127"/>
+                  <a:ea typeface="맑은 고딕" panose="020B0503020000020004" pitchFamily="50" charset="-127"/>
+                </a:endParaRPr>
+              </a:p>
+            </p:txBody>
+          </p:sp>
+          <p:sp>
+            <p:nvSpPr>
+              <p:cNvPr id="11" name="직사각형 10">
+                <a:extLst>
+                  <a:ext uri="{FF2B5EF4-FFF2-40B4-BE49-F238E27FC236}">
+                    <a16:creationId xmlns:a16="http://schemas.microsoft.com/office/drawing/2014/main" id="{A9935E9B-C2E6-489A-BC5E-5A264E08B734}"/>
+                  </a:ext>
+                </a:extLst>
+              </p:cNvPr>
+              <p:cNvSpPr/>
+              <p:nvPr/>
+            </p:nvSpPr>
+            <p:spPr>
+              <a:xfrm>
+                <a:off x="2958353" y="4499387"/>
+                <a:ext cx="5011271" cy="45719"/>
+              </a:xfrm>
+              <a:prstGeom prst="rect">
+                <a:avLst/>
+              </a:prstGeom>
+              <a:solidFill>
+                <a:srgbClr val="0455BF"/>
+              </a:solidFill>
+              <a:ln>
+                <a:solidFill>
+                  <a:srgbClr val="0455BF"/>
+                </a:solidFill>
+              </a:ln>
+            </p:spPr>
+            <p:style>
+              <a:lnRef idx="2">
+                <a:schemeClr val="accent1">
+                  <a:shade val="50000"/>
+                </a:schemeClr>
+              </a:lnRef>
+              <a:fillRef idx="1">
+                <a:schemeClr val="accent1"/>
+              </a:fillRef>
+              <a:effectRef idx="0">
+                <a:schemeClr val="accent1"/>
+              </a:effectRef>
+              <a:fontRef idx="minor">
+                <a:schemeClr val="lt1"/>
+              </a:fontRef>
+            </p:style>
+            <p:txBody>
+              <a:bodyPr rtlCol="0" anchor="ctr"/>
+              <a:lstStyle/>
+              <a:p>
+                <a:pPr algn="ctr"/>
+                <a:endParaRPr lang="ko-KR" altLang="en-US" b="1">
+                  <a:latin typeface="맑은 고딕" panose="020B0503020000020004" pitchFamily="50" charset="-127"/>
+                  <a:ea typeface="맑은 고딕" panose="020B0503020000020004" pitchFamily="50" charset="-127"/>
+                </a:endParaRPr>
+              </a:p>
+            </p:txBody>
+          </p:sp>
+          <p:sp>
+            <p:nvSpPr>
+              <p:cNvPr id="12" name="직사각형 11">
+                <a:extLst>
+                  <a:ext uri="{FF2B5EF4-FFF2-40B4-BE49-F238E27FC236}">
+                    <a16:creationId xmlns:a16="http://schemas.microsoft.com/office/drawing/2014/main" id="{DAE341BA-4A2F-47EC-B371-5627D40A0533}"/>
+                  </a:ext>
+                </a:extLst>
+              </p:cNvPr>
+              <p:cNvSpPr/>
+              <p:nvPr/>
+            </p:nvSpPr>
+            <p:spPr>
+              <a:xfrm>
+                <a:off x="7923905" y="2312893"/>
+                <a:ext cx="45719" cy="2232213"/>
+              </a:xfrm>
+              <a:prstGeom prst="rect">
+                <a:avLst/>
+              </a:prstGeom>
+              <a:solidFill>
+                <a:srgbClr val="0455BF"/>
+              </a:solidFill>
+              <a:ln>
+                <a:solidFill>
+                  <a:srgbClr val="0455BF"/>
+                </a:solidFill>
+              </a:ln>
+            </p:spPr>
+            <p:style>
+              <a:lnRef idx="2">
+                <a:schemeClr val="accent1">
+                  <a:shade val="50000"/>
+                </a:schemeClr>
+              </a:lnRef>
+              <a:fillRef idx="1">
+                <a:schemeClr val="accent1"/>
+              </a:fillRef>
+              <a:effectRef idx="0">
+                <a:schemeClr val="accent1"/>
+              </a:effectRef>
+              <a:fontRef idx="minor">
+                <a:schemeClr val="lt1"/>
+              </a:fontRef>
+            </p:style>
+            <p:txBody>
+              <a:bodyPr rtlCol="0" anchor="ctr"/>
+              <a:lstStyle/>
+              <a:p>
+                <a:pPr algn="ctr"/>
+                <a:endParaRPr lang="ko-KR" altLang="en-US" b="1">
+                  <a:latin typeface="맑은 고딕" panose="020B0503020000020004" pitchFamily="50" charset="-127"/>
+                  <a:ea typeface="맑은 고딕" panose="020B0503020000020004" pitchFamily="50" charset="-127"/>
+                </a:endParaRPr>
+              </a:p>
+            </p:txBody>
+          </p:sp>
+        </p:grpSp>
+      </p:grpSp>
+    </p:spTree>
+    <p:extLst>
+      <p:ext uri="{BB962C8B-B14F-4D97-AF65-F5344CB8AC3E}">
+        <p14:creationId xmlns:p14="http://schemas.microsoft.com/office/powerpoint/2010/main" val="1398315710"/>
+      </p:ext>
+    </p:extLst>
+  </p:cSld>
+  <p:clrMapOvr>
+    <a:masterClrMapping/>
+  </p:clrMapOvr>
+</p:sld>
+</file>
+
+<file path=ppt/slides/slide4.xml><?xml version="1.0" encoding="utf-8"?>
+<p:sld xmlns:a="http://schemas.openxmlformats.org/drawingml/2006/main" xmlns:r="http://schemas.openxmlformats.org/officeDocument/2006/relationships" xmlns:p="http://schemas.openxmlformats.org/presentationml/2006/main">
+  <p:cSld>
+    <p:spTree>
+      <p:nvGrpSpPr>
+        <p:cNvPr id="1" name="">
+          <a:extLst>
+            <a:ext uri="{FF2B5EF4-FFF2-40B4-BE49-F238E27FC236}">
+              <a16:creationId xmlns:a16="http://schemas.microsoft.com/office/drawing/2014/main" id="{28F9D544-4AAD-D96B-6AB1-6C4D819C1EFE}"/>
+            </a:ext>
+          </a:extLst>
+        </p:cNvPr>
+        <p:cNvGrpSpPr/>
+        <p:nvPr/>
+      </p:nvGrpSpPr>
+      <p:grpSpPr>
+        <a:xfrm>
+          <a:off x="0" y="0"/>
+          <a:ext cx="0" cy="0"/>
+          <a:chOff x="0" y="0"/>
+          <a:chExt cx="0" cy="0"/>
+        </a:xfrm>
+      </p:grpSpPr>
+      <p:sp>
+        <p:nvSpPr>
+          <p:cNvPr id="2" name="제목 1">
+            <a:extLst>
+              <a:ext uri="{FF2B5EF4-FFF2-40B4-BE49-F238E27FC236}">
+                <a16:creationId xmlns:a16="http://schemas.microsoft.com/office/drawing/2014/main" id="{F0E18233-8608-3D1B-9EEC-BC88C6401D2D}"/>
+              </a:ext>
+            </a:extLst>
+          </p:cNvPr>
+          <p:cNvSpPr>
+            <a:spLocks noGrp="1"/>
+          </p:cNvSpPr>
+          <p:nvPr>
+            <p:ph type="title"/>
+          </p:nvPr>
+        </p:nvSpPr>
+        <p:spPr/>
+        <p:txBody>
+          <a:bodyPr>
+            <a:normAutofit/>
+          </a:bodyPr>
+          <a:lstStyle/>
+          <a:p>
+            <a:r>
+              <a:rPr lang="ko-KR" altLang="en-US" sz="4400" dirty="0">
+                <a:latin typeface="+mj-lt"/>
+              </a:rPr>
+              <a:t>개요</a:t>
+            </a:r>
+            <a:endParaRPr lang="ko-KR" altLang="en-US" dirty="0">
+              <a:latin typeface="+mj-lt"/>
+            </a:endParaRPr>
+          </a:p>
+        </p:txBody>
+      </p:sp>
+      <p:sp>
+        <p:nvSpPr>
+          <p:cNvPr id="3" name="TextBox 2">
+            <a:extLst>
+              <a:ext uri="{FF2B5EF4-FFF2-40B4-BE49-F238E27FC236}">
+                <a16:creationId xmlns:a16="http://schemas.microsoft.com/office/drawing/2014/main" id="{F1836726-4B4C-865D-3795-64B0BF57A7E5}"/>
+              </a:ext>
+            </a:extLst>
+          </p:cNvPr>
+          <p:cNvSpPr txBox="1"/>
+          <p:nvPr/>
+        </p:nvSpPr>
+        <p:spPr>
+          <a:xfrm>
+            <a:off x="971107" y="1545265"/>
+            <a:ext cx="9145350" cy="2215991"/>
+          </a:xfrm>
+          <a:prstGeom prst="rect">
+            <a:avLst/>
+          </a:prstGeom>
+          <a:noFill/>
+        </p:spPr>
+        <p:txBody>
+          <a:bodyPr wrap="square" rtlCol="0">
+            <a:spAutoFit/>
+          </a:bodyPr>
+          <a:lstStyle/>
+          <a:p>
+            <a:pPr algn="l"/>
+            <a:r>
+              <a:rPr lang="ko-KR" altLang="en-US" sz="2400" dirty="0">
+                <a:latin typeface="+mj-lt"/>
+              </a:rPr>
+              <a:t>범죄발생 지역과 시간을 따져 위험군을 파악</a:t>
+            </a:r>
+            <a:endParaRPr lang="en-US" altLang="ko-KR" sz="2400" dirty="0">
+              <a:latin typeface="+mj-lt"/>
+            </a:endParaRPr>
+          </a:p>
+          <a:p>
+            <a:pPr algn="l"/>
+            <a:endParaRPr lang="en-US" altLang="ko-KR" sz="2400" dirty="0">
+              <a:latin typeface="+mj-lt"/>
+            </a:endParaRPr>
+          </a:p>
+          <a:p>
+            <a:pPr marL="92075" indent="85725" algn="l">
+              <a:buFont typeface="Arial" panose="020B0604020202020204" pitchFamily="34" charset="0"/>
+              <a:buChar char="•"/>
+            </a:pPr>
+            <a:r>
+              <a:rPr lang="ko-KR" altLang="en-US" dirty="0">
+                <a:latin typeface="+mj-lt"/>
+              </a:rPr>
+              <a:t>범죄 분류</a:t>
+            </a:r>
+            <a:r>
+              <a:rPr lang="en-US" altLang="ko-KR" dirty="0">
+                <a:latin typeface="+mj-lt"/>
+              </a:rPr>
+              <a:t>(</a:t>
+            </a:r>
+            <a:r>
+              <a:rPr lang="ko-KR" altLang="en-US" dirty="0">
+                <a:latin typeface="+mj-lt"/>
+              </a:rPr>
+              <a:t>폭행</a:t>
+            </a:r>
+            <a:r>
+              <a:rPr lang="en-US" altLang="ko-KR" dirty="0">
+                <a:latin typeface="+mj-lt"/>
+              </a:rPr>
+              <a:t>, </a:t>
+            </a:r>
+            <a:r>
+              <a:rPr lang="ko-KR" altLang="en-US" dirty="0">
+                <a:latin typeface="+mj-lt"/>
+              </a:rPr>
+              <a:t>교통</a:t>
+            </a:r>
+            <a:r>
+              <a:rPr lang="en-US" altLang="ko-KR" dirty="0">
+                <a:latin typeface="+mj-lt"/>
+              </a:rPr>
+              <a:t>, </a:t>
+            </a:r>
+            <a:r>
+              <a:rPr lang="ko-KR" altLang="en-US" dirty="0">
+                <a:latin typeface="+mj-lt"/>
+              </a:rPr>
+              <a:t>사기 등</a:t>
+            </a:r>
+            <a:r>
+              <a:rPr lang="en-US" altLang="ko-KR" dirty="0">
+                <a:latin typeface="+mj-lt"/>
+              </a:rPr>
+              <a:t>)</a:t>
+            </a:r>
+            <a:r>
+              <a:rPr lang="ko-KR" altLang="en-US" dirty="0">
+                <a:latin typeface="+mj-lt"/>
+              </a:rPr>
+              <a:t>와 시간의 관계를 파악</a:t>
+            </a:r>
+            <a:endParaRPr lang="en-US" altLang="ko-KR" dirty="0">
+              <a:latin typeface="+mj-lt"/>
+            </a:endParaRPr>
+          </a:p>
+          <a:p>
+            <a:pPr marL="549275" lvl="1" indent="85725">
+              <a:buFont typeface="Arial" panose="020B0604020202020204" pitchFamily="34" charset="0"/>
+              <a:buChar char="•"/>
+            </a:pPr>
+            <a:r>
+              <a:rPr lang="ko-KR" altLang="en-US" dirty="0">
+                <a:latin typeface="+mj-lt"/>
+              </a:rPr>
+              <a:t>특정 범죄가 많이 발생하는 시간</a:t>
+            </a:r>
+            <a:r>
+              <a:rPr lang="en-US" altLang="ko-KR" dirty="0">
+                <a:latin typeface="+mj-lt"/>
+              </a:rPr>
+              <a:t>, </a:t>
+            </a:r>
+            <a:r>
+              <a:rPr lang="ko-KR" altLang="en-US" dirty="0">
+                <a:latin typeface="+mj-lt"/>
+              </a:rPr>
+              <a:t>지역을 시각화</a:t>
+            </a:r>
+            <a:endParaRPr lang="en-US" altLang="ko-KR" dirty="0">
+              <a:latin typeface="+mj-lt"/>
+            </a:endParaRPr>
+          </a:p>
+          <a:p>
+            <a:pPr marL="549275" lvl="1" indent="85725">
+              <a:buFont typeface="Arial" panose="020B0604020202020204" pitchFamily="34" charset="0"/>
+              <a:buChar char="•"/>
+            </a:pPr>
+            <a:endParaRPr lang="en-US" altLang="ko-KR" dirty="0">
+              <a:latin typeface="+mj-lt"/>
+            </a:endParaRPr>
+          </a:p>
+          <a:p>
+            <a:pPr marL="92075" indent="85725">
+              <a:buFont typeface="Arial" panose="020B0604020202020204" pitchFamily="34" charset="0"/>
+              <a:buChar char="•"/>
+            </a:pPr>
+            <a:r>
+              <a:rPr lang="ko-KR" altLang="en-US" dirty="0">
+                <a:latin typeface="+mj-lt"/>
+              </a:rPr>
+              <a:t>인천의 치안은 어떤 상태인지 확인</a:t>
+            </a:r>
+            <a:endParaRPr lang="en-US" altLang="ko-KR" dirty="0">
+              <a:latin typeface="+mj-lt"/>
+            </a:endParaRPr>
+          </a:p>
+          <a:p>
+            <a:pPr marL="92075" indent="85725" algn="l">
+              <a:buFont typeface="Arial" panose="020B0604020202020204" pitchFamily="34" charset="0"/>
+              <a:buChar char="•"/>
+            </a:pPr>
+            <a:endParaRPr lang="en-US" altLang="ko-KR" dirty="0">
+              <a:latin typeface="+mj-lt"/>
+            </a:endParaRPr>
+          </a:p>
+        </p:txBody>
+      </p:sp>
+      <p:pic>
+        <p:nvPicPr>
+          <p:cNvPr id="7" name="그림 6">
+            <a:extLst>
+              <a:ext uri="{FF2B5EF4-FFF2-40B4-BE49-F238E27FC236}">
+                <a16:creationId xmlns:a16="http://schemas.microsoft.com/office/drawing/2014/main" id="{F0A293FC-4B0B-9602-D7F6-D4146E0617D1}"/>
+              </a:ext>
+            </a:extLst>
+          </p:cNvPr>
+          <p:cNvPicPr>
+            <a:picLocks noChangeAspect="1"/>
+          </p:cNvPicPr>
+          <p:nvPr/>
+        </p:nvPicPr>
+        <p:blipFill>
+          <a:blip r:embed="rId2"/>
+          <a:stretch>
+            <a:fillRect/>
+          </a:stretch>
+        </p:blipFill>
+        <p:spPr>
+          <a:xfrm>
+            <a:off x="7197774" y="3193143"/>
+            <a:ext cx="3245721" cy="3292005"/>
+          </a:xfrm>
+          <a:prstGeom prst="ellipse">
+            <a:avLst/>
+          </a:prstGeom>
+          <a:ln>
+            <a:noFill/>
+          </a:ln>
+          <a:effectLst>
+            <a:softEdge rad="112500"/>
+          </a:effectLst>
+        </p:spPr>
+      </p:pic>
+    </p:spTree>
+    <p:extLst>
+      <p:ext uri="{BB962C8B-B14F-4D97-AF65-F5344CB8AC3E}">
+        <p14:creationId xmlns:p14="http://schemas.microsoft.com/office/powerpoint/2010/main" val="2633675551"/>
+      </p:ext>
+    </p:extLst>
+  </p:cSld>
+  <p:clrMapOvr>
+    <a:masterClrMapping/>
+  </p:clrMapOvr>
+</p:sld>
+</file>
+
+<file path=ppt/slides/slide5.xml><?xml version="1.0" encoding="utf-8"?>
+<p:sld xmlns:a="http://schemas.openxmlformats.org/drawingml/2006/main" xmlns:r="http://schemas.openxmlformats.org/officeDocument/2006/relationships" xmlns:p="http://schemas.openxmlformats.org/presentationml/2006/main">
+  <p:cSld>
+    <p:spTree>
+      <p:nvGrpSpPr>
+        <p:cNvPr id="1" name=""/>
+        <p:cNvGrpSpPr/>
+        <p:nvPr/>
+      </p:nvGrpSpPr>
+      <p:grpSpPr>
+        <a:xfrm>
+          <a:off x="0" y="0"/>
+          <a:ext cx="0" cy="0"/>
+          <a:chOff x="0" y="0"/>
+          <a:chExt cx="0" cy="0"/>
+        </a:xfrm>
+      </p:grpSpPr>
+      <p:sp>
+        <p:nvSpPr>
+          <p:cNvPr id="4" name="직사각형 3">
+            <a:extLst>
+              <a:ext uri="{FF2B5EF4-FFF2-40B4-BE49-F238E27FC236}">
+                <a16:creationId xmlns:a16="http://schemas.microsoft.com/office/drawing/2014/main" id="{BB77FE66-8DA8-4537-9FC9-38BFB7FA4162}"/>
+              </a:ext>
+            </a:extLst>
+          </p:cNvPr>
+          <p:cNvSpPr/>
+          <p:nvPr/>
+        </p:nvSpPr>
+        <p:spPr>
+          <a:xfrm>
+            <a:off x="2796997" y="2826123"/>
+            <a:ext cx="5504330" cy="1205753"/>
+          </a:xfrm>
+          <a:prstGeom prst="rect">
+            <a:avLst/>
+          </a:prstGeom>
+          <a:solidFill>
+            <a:schemeClr val="bg1"/>
+          </a:solidFill>
+          <a:ln>
+            <a:solidFill>
+              <a:schemeClr val="bg1"/>
+            </a:solidFill>
+          </a:ln>
+        </p:spPr>
+        <p:style>
+          <a:lnRef idx="2">
+            <a:schemeClr val="accent1">
+              <a:shade val="50000"/>
+            </a:schemeClr>
+          </a:lnRef>
+          <a:fillRef idx="1">
+            <a:schemeClr val="accent1"/>
+          </a:fillRef>
+          <a:effectRef idx="0">
+            <a:schemeClr val="accent1"/>
+          </a:effectRef>
+          <a:fontRef idx="minor">
+            <a:schemeClr val="lt1"/>
+          </a:fontRef>
+        </p:style>
+        <p:txBody>
+          <a:bodyPr rtlCol="0" anchor="ctr"/>
+          <a:lstStyle/>
+          <a:p>
+            <a:pPr algn="ctr"/>
+            <a:r>
+              <a:rPr lang="en-US" altLang="ko-KR" sz="6000" b="1" dirty="0">
+                <a:solidFill>
+                  <a:srgbClr val="002060"/>
+                </a:solidFill>
+                <a:latin typeface="맑은 고딕" panose="020B0503020000020004" pitchFamily="50" charset="-127"/>
+                <a:ea typeface="맑은 고딕" panose="020B0503020000020004" pitchFamily="50" charset="-127"/>
+              </a:rPr>
+              <a:t>01. </a:t>
+            </a:r>
+            <a:r>
+              <a:rPr lang="ko-KR" altLang="en-US" sz="6000" b="1" dirty="0">
+                <a:solidFill>
+                  <a:srgbClr val="002060"/>
+                </a:solidFill>
+                <a:latin typeface="맑은 고딕" panose="020B0503020000020004" pitchFamily="50" charset="-127"/>
+                <a:ea typeface="맑은 고딕" panose="020B0503020000020004" pitchFamily="50" charset="-127"/>
+              </a:rPr>
+              <a:t>서 론</a:t>
+            </a:r>
+          </a:p>
+        </p:txBody>
+      </p:sp>
+      <p:grpSp>
+        <p:nvGrpSpPr>
+          <p:cNvPr id="5" name="그룹 4">
+            <a:extLst>
+              <a:ext uri="{FF2B5EF4-FFF2-40B4-BE49-F238E27FC236}">
+                <a16:creationId xmlns:a16="http://schemas.microsoft.com/office/drawing/2014/main" id="{8915F44D-9145-4B58-8CB9-BA67C4D0DDC8}"/>
+              </a:ext>
+            </a:extLst>
+          </p:cNvPr>
+          <p:cNvGrpSpPr/>
+          <p:nvPr/>
+        </p:nvGrpSpPr>
+        <p:grpSpPr>
+          <a:xfrm>
+            <a:off x="1966686" y="2312893"/>
+            <a:ext cx="7337827" cy="2232213"/>
+            <a:chOff x="2303937" y="2312893"/>
+            <a:chExt cx="5665687" cy="2232213"/>
+          </a:xfrm>
+        </p:grpSpPr>
+        <p:sp>
+          <p:nvSpPr>
+            <p:cNvPr id="6" name="직사각형 5">
+              <a:extLst>
+                <a:ext uri="{FF2B5EF4-FFF2-40B4-BE49-F238E27FC236}">
+                  <a16:creationId xmlns:a16="http://schemas.microsoft.com/office/drawing/2014/main" id="{F7029624-51F0-42EF-981B-B25A774FBF7B}"/>
+                </a:ext>
+              </a:extLst>
+            </p:cNvPr>
+            <p:cNvSpPr/>
+            <p:nvPr/>
+          </p:nvSpPr>
+          <p:spPr>
+            <a:xfrm>
+              <a:off x="2303937" y="2826123"/>
+              <a:ext cx="5504330" cy="1205753"/>
+            </a:xfrm>
+            <a:prstGeom prst="rect">
+              <a:avLst/>
+            </a:prstGeom>
+            <a:solidFill>
+              <a:schemeClr val="bg1"/>
+            </a:solidFill>
+            <a:ln>
+              <a:solidFill>
+                <a:schemeClr val="bg1"/>
+              </a:solidFill>
+            </a:ln>
+          </p:spPr>
+          <p:style>
+            <a:lnRef idx="2">
+              <a:schemeClr val="accent1">
+                <a:shade val="50000"/>
+              </a:schemeClr>
+            </a:lnRef>
+            <a:fillRef idx="1">
+              <a:schemeClr val="accent1"/>
+            </a:fillRef>
+            <a:effectRef idx="0">
+              <a:schemeClr val="accent1"/>
+            </a:effectRef>
+            <a:fontRef idx="minor">
+              <a:schemeClr val="lt1"/>
+            </a:fontRef>
+          </p:style>
+          <p:txBody>
+            <a:bodyPr rtlCol="0" anchor="ctr"/>
+            <a:lstStyle/>
+            <a:p>
+              <a:pPr algn="ctr"/>
+              <a:r>
+                <a:rPr lang="en-US" altLang="ko-KR" sz="6000" b="1" dirty="0">
+                  <a:solidFill>
+                    <a:srgbClr val="002060"/>
+                  </a:solidFill>
+                  <a:latin typeface="맑은 고딕" panose="020B0503020000020004" pitchFamily="50" charset="-127"/>
+                  <a:ea typeface="맑은 고딕" panose="020B0503020000020004" pitchFamily="50" charset="-127"/>
+                </a:rPr>
+                <a:t>02. </a:t>
+              </a:r>
+              <a:r>
+                <a:rPr lang="ko-KR" altLang="en-US" sz="6000" b="1" dirty="0">
+                  <a:solidFill>
+                    <a:srgbClr val="002060"/>
+                  </a:solidFill>
+                  <a:latin typeface="맑은 고딕" panose="020B0503020000020004" pitchFamily="50" charset="-127"/>
+                  <a:ea typeface="맑은 고딕" panose="020B0503020000020004" pitchFamily="50" charset="-127"/>
+                </a:rPr>
+                <a:t>데이터 </a:t>
+              </a:r>
+              <a:r>
+                <a:rPr lang="ko-KR" altLang="en-US" sz="6000" b="1" dirty="0" err="1">
+                  <a:solidFill>
+                    <a:srgbClr val="002060"/>
+                  </a:solidFill>
+                  <a:latin typeface="맑은 고딕" panose="020B0503020000020004" pitchFamily="50" charset="-127"/>
+                  <a:ea typeface="맑은 고딕" panose="020B0503020000020004" pitchFamily="50" charset="-127"/>
+                </a:rPr>
+                <a:t>전처리</a:t>
+              </a:r>
+              <a:endParaRPr lang="ko-KR" altLang="en-US" sz="6000" b="1" dirty="0">
+                <a:solidFill>
+                  <a:srgbClr val="002060"/>
+                </a:solidFill>
+                <a:latin typeface="맑은 고딕" panose="020B0503020000020004" pitchFamily="50" charset="-127"/>
+                <a:ea typeface="맑은 고딕" panose="020B0503020000020004" pitchFamily="50" charset="-127"/>
+              </a:endParaRPr>
+            </a:p>
+          </p:txBody>
+        </p:sp>
+        <p:grpSp>
+          <p:nvGrpSpPr>
+            <p:cNvPr id="7" name="그룹 6">
+              <a:extLst>
+                <a:ext uri="{FF2B5EF4-FFF2-40B4-BE49-F238E27FC236}">
+                  <a16:creationId xmlns:a16="http://schemas.microsoft.com/office/drawing/2014/main" id="{91D9BA8B-6336-4259-8C54-90ECC1C75459}"/>
+                </a:ext>
+              </a:extLst>
+            </p:cNvPr>
+            <p:cNvGrpSpPr/>
+            <p:nvPr/>
+          </p:nvGrpSpPr>
+          <p:grpSpPr>
+            <a:xfrm>
+              <a:off x="2958353" y="2312893"/>
+              <a:ext cx="5011271" cy="2232213"/>
+              <a:chOff x="2958353" y="2312893"/>
+              <a:chExt cx="5011271" cy="2232213"/>
+            </a:xfrm>
+          </p:grpSpPr>
+          <p:sp>
+            <p:nvSpPr>
+              <p:cNvPr id="8" name="직사각형 7">
+                <a:extLst>
+                  <a:ext uri="{FF2B5EF4-FFF2-40B4-BE49-F238E27FC236}">
+                    <a16:creationId xmlns:a16="http://schemas.microsoft.com/office/drawing/2014/main" id="{CB0BB442-7312-4EE9-90D9-FAC7A5874CD2}"/>
+                  </a:ext>
+                </a:extLst>
+              </p:cNvPr>
+              <p:cNvSpPr/>
+              <p:nvPr/>
+            </p:nvSpPr>
+            <p:spPr>
+              <a:xfrm>
+                <a:off x="2958353" y="2312893"/>
+                <a:ext cx="45719" cy="340659"/>
+              </a:xfrm>
+              <a:prstGeom prst="rect">
+                <a:avLst/>
+              </a:prstGeom>
+              <a:solidFill>
+                <a:srgbClr val="0455BF"/>
+              </a:solidFill>
+              <a:ln>
+                <a:solidFill>
+                  <a:srgbClr val="0455BF"/>
+                </a:solidFill>
+              </a:ln>
+            </p:spPr>
+            <p:style>
+              <a:lnRef idx="2">
+                <a:schemeClr val="accent1">
+                  <a:shade val="50000"/>
+                </a:schemeClr>
+              </a:lnRef>
+              <a:fillRef idx="1">
+                <a:schemeClr val="accent1"/>
+              </a:fillRef>
+              <a:effectRef idx="0">
+                <a:schemeClr val="accent1"/>
+              </a:effectRef>
+              <a:fontRef idx="minor">
+                <a:schemeClr val="lt1"/>
+              </a:fontRef>
+            </p:style>
+            <p:txBody>
+              <a:bodyPr rtlCol="0" anchor="ctr"/>
+              <a:lstStyle/>
+              <a:p>
+                <a:pPr algn="ctr"/>
+                <a:endParaRPr lang="ko-KR" altLang="en-US" b="1">
+                  <a:latin typeface="맑은 고딕" panose="020B0503020000020004" pitchFamily="50" charset="-127"/>
+                  <a:ea typeface="맑은 고딕" panose="020B0503020000020004" pitchFamily="50" charset="-127"/>
+                </a:endParaRPr>
+              </a:p>
+            </p:txBody>
+          </p:sp>
+          <p:sp>
+            <p:nvSpPr>
+              <p:cNvPr id="9" name="직사각형 8">
+                <a:extLst>
+                  <a:ext uri="{FF2B5EF4-FFF2-40B4-BE49-F238E27FC236}">
+                    <a16:creationId xmlns:a16="http://schemas.microsoft.com/office/drawing/2014/main" id="{1C81B1FC-5481-43C3-BF2F-74EF0B3C5BE6}"/>
+                  </a:ext>
+                </a:extLst>
+              </p:cNvPr>
+              <p:cNvSpPr/>
+              <p:nvPr/>
+            </p:nvSpPr>
+            <p:spPr>
+              <a:xfrm>
+                <a:off x="2958353" y="4204447"/>
+                <a:ext cx="45719" cy="340659"/>
+              </a:xfrm>
+              <a:prstGeom prst="rect">
+                <a:avLst/>
+              </a:prstGeom>
+              <a:solidFill>
+                <a:srgbClr val="0455BF"/>
+              </a:solidFill>
+              <a:ln>
+                <a:solidFill>
+                  <a:srgbClr val="0455BF"/>
+                </a:solidFill>
+              </a:ln>
+            </p:spPr>
+            <p:style>
+              <a:lnRef idx="2">
+                <a:schemeClr val="accent1">
+                  <a:shade val="50000"/>
+                </a:schemeClr>
+              </a:lnRef>
+              <a:fillRef idx="1">
+                <a:schemeClr val="accent1"/>
+              </a:fillRef>
+              <a:effectRef idx="0">
+                <a:schemeClr val="accent1"/>
+              </a:effectRef>
+              <a:fontRef idx="minor">
+                <a:schemeClr val="lt1"/>
+              </a:fontRef>
+            </p:style>
+            <p:txBody>
+              <a:bodyPr rtlCol="0" anchor="ctr"/>
+              <a:lstStyle/>
+              <a:p>
+                <a:pPr algn="ctr"/>
+                <a:endParaRPr lang="ko-KR" altLang="en-US" b="1">
+                  <a:latin typeface="맑은 고딕" panose="020B0503020000020004" pitchFamily="50" charset="-127"/>
+                  <a:ea typeface="맑은 고딕" panose="020B0503020000020004" pitchFamily="50" charset="-127"/>
+                </a:endParaRPr>
+              </a:p>
+            </p:txBody>
+          </p:sp>
+          <p:sp>
+            <p:nvSpPr>
+              <p:cNvPr id="10" name="직사각형 9">
+                <a:extLst>
+                  <a:ext uri="{FF2B5EF4-FFF2-40B4-BE49-F238E27FC236}">
+                    <a16:creationId xmlns:a16="http://schemas.microsoft.com/office/drawing/2014/main" id="{DF74528A-80B2-4968-B175-F776035C2EE4}"/>
+                  </a:ext>
+                </a:extLst>
+              </p:cNvPr>
+              <p:cNvSpPr/>
+              <p:nvPr/>
+            </p:nvSpPr>
+            <p:spPr>
+              <a:xfrm>
+                <a:off x="2958353" y="2312893"/>
+                <a:ext cx="5011271" cy="45719"/>
+              </a:xfrm>
+              <a:prstGeom prst="rect">
+                <a:avLst/>
+              </a:prstGeom>
+              <a:solidFill>
+                <a:srgbClr val="0455BF"/>
+              </a:solidFill>
+              <a:ln>
+                <a:solidFill>
+                  <a:srgbClr val="0455BF"/>
+                </a:solidFill>
+              </a:ln>
+            </p:spPr>
+            <p:style>
+              <a:lnRef idx="2">
+                <a:schemeClr val="accent1">
+                  <a:shade val="50000"/>
+                </a:schemeClr>
+              </a:lnRef>
+              <a:fillRef idx="1">
+                <a:schemeClr val="accent1"/>
+              </a:fillRef>
+              <a:effectRef idx="0">
+                <a:schemeClr val="accent1"/>
+              </a:effectRef>
+              <a:fontRef idx="minor">
+                <a:schemeClr val="lt1"/>
+              </a:fontRef>
+            </p:style>
+            <p:txBody>
+              <a:bodyPr rtlCol="0" anchor="ctr"/>
+              <a:lstStyle/>
+              <a:p>
+                <a:pPr algn="ctr"/>
+                <a:endParaRPr lang="ko-KR" altLang="en-US" b="1" dirty="0">
+                  <a:latin typeface="맑은 고딕" panose="020B0503020000020004" pitchFamily="50" charset="-127"/>
+                  <a:ea typeface="맑은 고딕" panose="020B0503020000020004" pitchFamily="50" charset="-127"/>
+                </a:endParaRPr>
+              </a:p>
+            </p:txBody>
+          </p:sp>
+          <p:sp>
+            <p:nvSpPr>
+              <p:cNvPr id="11" name="직사각형 10">
+                <a:extLst>
+                  <a:ext uri="{FF2B5EF4-FFF2-40B4-BE49-F238E27FC236}">
+                    <a16:creationId xmlns:a16="http://schemas.microsoft.com/office/drawing/2014/main" id="{A9935E9B-C2E6-489A-BC5E-5A264E08B734}"/>
+                  </a:ext>
+                </a:extLst>
+              </p:cNvPr>
+              <p:cNvSpPr/>
+              <p:nvPr/>
+            </p:nvSpPr>
+            <p:spPr>
+              <a:xfrm>
+                <a:off x="2958353" y="4499387"/>
+                <a:ext cx="5011271" cy="45719"/>
+              </a:xfrm>
+              <a:prstGeom prst="rect">
+                <a:avLst/>
+              </a:prstGeom>
+              <a:solidFill>
+                <a:srgbClr val="0455BF"/>
+              </a:solidFill>
+              <a:ln>
+                <a:solidFill>
+                  <a:srgbClr val="0455BF"/>
+                </a:solidFill>
+              </a:ln>
+            </p:spPr>
+            <p:style>
+              <a:lnRef idx="2">
+                <a:schemeClr val="accent1">
+                  <a:shade val="50000"/>
+                </a:schemeClr>
+              </a:lnRef>
+              <a:fillRef idx="1">
+                <a:schemeClr val="accent1"/>
+              </a:fillRef>
+              <a:effectRef idx="0">
+                <a:schemeClr val="accent1"/>
+              </a:effectRef>
+              <a:fontRef idx="minor">
+                <a:schemeClr val="lt1"/>
+              </a:fontRef>
+            </p:style>
+            <p:txBody>
+              <a:bodyPr rtlCol="0" anchor="ctr"/>
+              <a:lstStyle/>
+              <a:p>
+                <a:pPr algn="ctr"/>
+                <a:endParaRPr lang="ko-KR" altLang="en-US" b="1">
+                  <a:latin typeface="맑은 고딕" panose="020B0503020000020004" pitchFamily="50" charset="-127"/>
+                  <a:ea typeface="맑은 고딕" panose="020B0503020000020004" pitchFamily="50" charset="-127"/>
+                </a:endParaRPr>
+              </a:p>
+            </p:txBody>
+          </p:sp>
+          <p:sp>
+            <p:nvSpPr>
+              <p:cNvPr id="12" name="직사각형 11">
+                <a:extLst>
+                  <a:ext uri="{FF2B5EF4-FFF2-40B4-BE49-F238E27FC236}">
+                    <a16:creationId xmlns:a16="http://schemas.microsoft.com/office/drawing/2014/main" id="{DAE341BA-4A2F-47EC-B371-5627D40A0533}"/>
+                  </a:ext>
+                </a:extLst>
+              </p:cNvPr>
+              <p:cNvSpPr/>
+              <p:nvPr/>
+            </p:nvSpPr>
+            <p:spPr>
+              <a:xfrm>
+                <a:off x="7923905" y="2312893"/>
+                <a:ext cx="45719" cy="2232213"/>
+              </a:xfrm>
+              <a:prstGeom prst="rect">
+                <a:avLst/>
+              </a:prstGeom>
+              <a:solidFill>
+                <a:srgbClr val="0455BF"/>
+              </a:solidFill>
+              <a:ln>
+                <a:solidFill>
+                  <a:srgbClr val="0455BF"/>
+                </a:solidFill>
+              </a:ln>
+            </p:spPr>
+            <p:style>
+              <a:lnRef idx="2">
+                <a:schemeClr val="accent1">
+                  <a:shade val="50000"/>
+                </a:schemeClr>
+              </a:lnRef>
+              <a:fillRef idx="1">
+                <a:schemeClr val="accent1"/>
+              </a:fillRef>
+              <a:effectRef idx="0">
+                <a:schemeClr val="accent1"/>
+              </a:effectRef>
+              <a:fontRef idx="minor">
+                <a:schemeClr val="lt1"/>
+              </a:fontRef>
+            </p:style>
+            <p:txBody>
+              <a:bodyPr rtlCol="0" anchor="ctr"/>
+              <a:lstStyle/>
+              <a:p>
+                <a:pPr algn="ctr"/>
+                <a:endParaRPr lang="ko-KR" altLang="en-US" b="1">
+                  <a:latin typeface="맑은 고딕" panose="020B0503020000020004" pitchFamily="50" charset="-127"/>
+                  <a:ea typeface="맑은 고딕" panose="020B0503020000020004" pitchFamily="50" charset="-127"/>
+                </a:endParaRPr>
+              </a:p>
+            </p:txBody>
+          </p:sp>
+        </p:grpSp>
+      </p:grpSp>
+    </p:spTree>
+    <p:extLst>
+      <p:ext uri="{BB962C8B-B14F-4D97-AF65-F5344CB8AC3E}">
+        <p14:creationId xmlns:p14="http://schemas.microsoft.com/office/powerpoint/2010/main" val="2632562664"/>
+      </p:ext>
+    </p:extLst>
+  </p:cSld>
+  <p:clrMapOvr>
+    <a:masterClrMapping/>
+  </p:clrMapOvr>
+</p:sld>
+</file>
+
+<file path=ppt/slides/slide6.xml><?xml version="1.0" encoding="utf-8"?>
+<p:sld xmlns:a="http://schemas.openxmlformats.org/drawingml/2006/main" xmlns:r="http://schemas.openxmlformats.org/officeDocument/2006/relationships" xmlns:p="http://schemas.openxmlformats.org/presentationml/2006/main">
+  <p:cSld>
+    <p:spTree>
+      <p:nvGrpSpPr>
+        <p:cNvPr id="1" name="">
+          <a:extLst>
+            <a:ext uri="{FF2B5EF4-FFF2-40B4-BE49-F238E27FC236}">
+              <a16:creationId xmlns:a16="http://schemas.microsoft.com/office/drawing/2014/main" id="{D21DF891-B2B1-16E9-F898-58ED69942A14}"/>
+            </a:ext>
+          </a:extLst>
+        </p:cNvPr>
+        <p:cNvGrpSpPr/>
+        <p:nvPr/>
+      </p:nvGrpSpPr>
+      <p:grpSpPr>
+        <a:xfrm>
+          <a:off x="0" y="0"/>
+          <a:ext cx="0" cy="0"/>
+          <a:chOff x="0" y="0"/>
+          <a:chExt cx="0" cy="0"/>
+        </a:xfrm>
+      </p:grpSpPr>
+      <p:sp>
+        <p:nvSpPr>
+          <p:cNvPr id="2" name="제목 1">
+            <a:extLst>
+              <a:ext uri="{FF2B5EF4-FFF2-40B4-BE49-F238E27FC236}">
+                <a16:creationId xmlns:a16="http://schemas.microsoft.com/office/drawing/2014/main" id="{8BDE6499-E0C3-0687-883B-F3B793E3639E}"/>
+              </a:ext>
+            </a:extLst>
+          </p:cNvPr>
+          <p:cNvSpPr>
+            <a:spLocks noGrp="1"/>
+          </p:cNvSpPr>
+          <p:nvPr>
+            <p:ph type="title"/>
+          </p:nvPr>
+        </p:nvSpPr>
+        <p:spPr/>
+        <p:txBody>
+          <a:bodyPr>
+            <a:normAutofit/>
+          </a:bodyPr>
+          <a:lstStyle/>
+          <a:p>
+            <a:r>
+              <a:rPr lang="ko-KR" altLang="en-US" sz="4400" dirty="0">
+                <a:latin typeface="+mj-lt"/>
+              </a:rPr>
+              <a:t>데이터 </a:t>
+            </a:r>
+            <a:r>
+              <a:rPr lang="ko-KR" altLang="en-US" sz="4400" dirty="0" err="1">
+                <a:latin typeface="+mj-lt"/>
+              </a:rPr>
+              <a:t>전처리</a:t>
+            </a:r>
+            <a:endParaRPr lang="ko-KR" altLang="en-US" dirty="0">
+              <a:latin typeface="+mj-lt"/>
+            </a:endParaRPr>
+          </a:p>
+        </p:txBody>
+      </p:sp>
+      <p:sp>
+        <p:nvSpPr>
+          <p:cNvPr id="3" name="TextBox 2">
+            <a:extLst>
+              <a:ext uri="{FF2B5EF4-FFF2-40B4-BE49-F238E27FC236}">
+                <a16:creationId xmlns:a16="http://schemas.microsoft.com/office/drawing/2014/main" id="{A5E5C502-97B6-E3D8-9174-16FD1E2979D4}"/>
+              </a:ext>
+            </a:extLst>
+          </p:cNvPr>
+          <p:cNvSpPr txBox="1"/>
+          <p:nvPr/>
+        </p:nvSpPr>
+        <p:spPr>
+          <a:xfrm>
+            <a:off x="971107" y="1545265"/>
+            <a:ext cx="9145350" cy="1508105"/>
+          </a:xfrm>
+          <a:prstGeom prst="rect">
+            <a:avLst/>
+          </a:prstGeom>
+          <a:noFill/>
+        </p:spPr>
+        <p:txBody>
+          <a:bodyPr wrap="square" rtlCol="0">
+            <a:spAutoFit/>
+          </a:bodyPr>
+          <a:lstStyle/>
+          <a:p>
+            <a:pPr algn="l"/>
+            <a:r>
+              <a:rPr lang="ko-KR" altLang="en-US" sz="2400" dirty="0">
+                <a:latin typeface="+mj-lt"/>
+              </a:rPr>
+              <a:t>데이터 확인</a:t>
+            </a:r>
+            <a:endParaRPr lang="en-US" altLang="ko-KR" sz="2400" dirty="0">
+              <a:latin typeface="+mj-lt"/>
+            </a:endParaRPr>
+          </a:p>
+          <a:p>
+            <a:pPr marL="92075" indent="85725" algn="l">
+              <a:buFont typeface="Arial" panose="020B0604020202020204" pitchFamily="34" charset="0"/>
+              <a:buChar char="•"/>
+            </a:pPr>
+            <a:r>
+              <a:rPr lang="en-US" altLang="ko-KR" dirty="0">
+                <a:latin typeface="+mj-lt"/>
+              </a:rPr>
+              <a:t>Pandas</a:t>
+            </a:r>
+            <a:r>
+              <a:rPr lang="ko-KR" altLang="en-US" dirty="0">
+                <a:latin typeface="+mj-lt"/>
+              </a:rPr>
+              <a:t>에서 제공하는 </a:t>
+            </a:r>
+            <a:r>
+              <a:rPr lang="en-US" altLang="ko-KR" dirty="0">
+                <a:latin typeface="+mj-lt"/>
+              </a:rPr>
+              <a:t>head, info</a:t>
+            </a:r>
+            <a:r>
+              <a:rPr lang="ko-KR" altLang="en-US" dirty="0">
+                <a:latin typeface="+mj-lt"/>
+              </a:rPr>
+              <a:t>를 이용하여 각 열의 이름을 확인</a:t>
+            </a:r>
+            <a:endParaRPr lang="en-US" altLang="ko-KR" dirty="0">
+              <a:latin typeface="+mj-lt"/>
+            </a:endParaRPr>
+          </a:p>
+          <a:p>
+            <a:pPr marL="92075" indent="85725" algn="l">
+              <a:buFont typeface="Arial" panose="020B0604020202020204" pitchFamily="34" charset="0"/>
+              <a:buChar char="•"/>
+            </a:pPr>
+            <a:r>
+              <a:rPr lang="ko-KR" altLang="en-US" dirty="0">
+                <a:latin typeface="+mj-lt"/>
+              </a:rPr>
+              <a:t>시간대별 정보는 </a:t>
+            </a:r>
+            <a:r>
+              <a:rPr lang="en-US" altLang="ko-KR" dirty="0">
+                <a:latin typeface="+mj-lt"/>
+              </a:rPr>
+              <a:t>18</a:t>
+            </a:r>
+            <a:r>
+              <a:rPr lang="ko-KR" altLang="en-US" dirty="0">
+                <a:latin typeface="+mj-lt"/>
+              </a:rPr>
+              <a:t>개의 열</a:t>
+            </a:r>
+            <a:r>
+              <a:rPr lang="en-US" altLang="ko-KR" dirty="0">
+                <a:latin typeface="+mj-lt"/>
+              </a:rPr>
+              <a:t>, </a:t>
+            </a:r>
+            <a:r>
+              <a:rPr lang="ko-KR" altLang="en-US" dirty="0">
+                <a:latin typeface="+mj-lt"/>
+              </a:rPr>
+              <a:t>지역별 정보는 </a:t>
+            </a:r>
+            <a:r>
+              <a:rPr lang="en-US" altLang="ko-KR" dirty="0">
+                <a:latin typeface="+mj-lt"/>
+              </a:rPr>
+              <a:t>89</a:t>
+            </a:r>
+            <a:r>
+              <a:rPr lang="ko-KR" altLang="en-US" dirty="0">
+                <a:latin typeface="+mj-lt"/>
+              </a:rPr>
+              <a:t>개의 열이 존재함을 알아냄</a:t>
+            </a:r>
+            <a:endParaRPr lang="en-US" altLang="ko-KR" dirty="0">
+              <a:latin typeface="+mj-lt"/>
+            </a:endParaRPr>
+          </a:p>
+          <a:p>
+            <a:pPr marL="549275" lvl="1" indent="85725">
+              <a:buFont typeface="Arial" panose="020B0604020202020204" pitchFamily="34" charset="0"/>
+              <a:buChar char="•"/>
+            </a:pPr>
+            <a:r>
+              <a:rPr lang="ko-KR" altLang="en-US" sz="1400" dirty="0">
+                <a:latin typeface="+mj-lt"/>
+              </a:rPr>
+              <a:t>시간대별 정보는 </a:t>
+            </a:r>
+            <a:r>
+              <a:rPr lang="en-US" altLang="ko-KR" sz="1400" dirty="0" err="1">
+                <a:latin typeface="+mj-lt"/>
+              </a:rPr>
+              <a:t>TimeStamp</a:t>
+            </a:r>
+            <a:r>
+              <a:rPr lang="ko-KR" altLang="en-US" sz="1400" dirty="0">
+                <a:latin typeface="+mj-lt"/>
+              </a:rPr>
+              <a:t>가 찍힌 시계열 데이터가 아닌 각 시간대별 범죄 발생률임</a:t>
+            </a:r>
+            <a:endParaRPr lang="en-US" altLang="ko-KR" sz="1400" dirty="0">
+              <a:latin typeface="+mj-lt"/>
+            </a:endParaRPr>
+          </a:p>
+          <a:p>
+            <a:pPr marL="92075" indent="85725" algn="l">
+              <a:buFont typeface="Arial" panose="020B0604020202020204" pitchFamily="34" charset="0"/>
+              <a:buChar char="•"/>
+            </a:pPr>
+            <a:r>
+              <a:rPr lang="ko-KR" altLang="en-US" dirty="0">
+                <a:latin typeface="+mj-lt"/>
+              </a:rPr>
+              <a:t>공통된 정보인 </a:t>
+            </a:r>
+            <a:r>
+              <a:rPr lang="ko-KR" altLang="en-US" dirty="0" err="1">
+                <a:latin typeface="+mj-lt"/>
+              </a:rPr>
+              <a:t>범죄대분류</a:t>
+            </a:r>
+            <a:r>
+              <a:rPr lang="en-US" altLang="ko-KR" dirty="0">
+                <a:latin typeface="+mj-lt"/>
+              </a:rPr>
+              <a:t>, </a:t>
+            </a:r>
+            <a:r>
+              <a:rPr lang="ko-KR" altLang="en-US" dirty="0" err="1">
+                <a:latin typeface="+mj-lt"/>
+              </a:rPr>
+              <a:t>범죄중분류</a:t>
+            </a:r>
+            <a:r>
+              <a:rPr lang="ko-KR" altLang="en-US" dirty="0">
+                <a:latin typeface="+mj-lt"/>
+              </a:rPr>
+              <a:t> 열을 이용해 병합 하는 것이 용이하다고 판단</a:t>
+            </a:r>
+            <a:r>
+              <a:rPr lang="en-US" altLang="ko-KR" dirty="0">
+                <a:latin typeface="+mj-lt"/>
+              </a:rPr>
+              <a:t>.</a:t>
+            </a:r>
+          </a:p>
+        </p:txBody>
+      </p:sp>
+      <p:pic>
+        <p:nvPicPr>
+          <p:cNvPr id="6" name="그림 5">
+            <a:extLst>
+              <a:ext uri="{FF2B5EF4-FFF2-40B4-BE49-F238E27FC236}">
+                <a16:creationId xmlns:a16="http://schemas.microsoft.com/office/drawing/2014/main" id="{D67336B0-480F-285D-9785-DBBF67735D65}"/>
+              </a:ext>
+            </a:extLst>
+          </p:cNvPr>
+          <p:cNvPicPr>
+            <a:picLocks noChangeAspect="1"/>
+          </p:cNvPicPr>
+          <p:nvPr/>
+        </p:nvPicPr>
+        <p:blipFill>
+          <a:blip r:embed="rId2"/>
+          <a:stretch>
+            <a:fillRect/>
+          </a:stretch>
+        </p:blipFill>
+        <p:spPr>
+          <a:xfrm>
+            <a:off x="971107" y="3358826"/>
+            <a:ext cx="4143829" cy="1299077"/>
+          </a:xfrm>
+          <a:prstGeom prst="rect">
+            <a:avLst/>
+          </a:prstGeom>
+        </p:spPr>
+      </p:pic>
+      <p:pic>
+        <p:nvPicPr>
+          <p:cNvPr id="8" name="그림 7">
+            <a:extLst>
+              <a:ext uri="{FF2B5EF4-FFF2-40B4-BE49-F238E27FC236}">
+                <a16:creationId xmlns:a16="http://schemas.microsoft.com/office/drawing/2014/main" id="{2D6C05A1-B4D5-9643-A890-621018220B1E}"/>
+              </a:ext>
+            </a:extLst>
+          </p:cNvPr>
+          <p:cNvPicPr>
+            <a:picLocks noChangeAspect="1"/>
+          </p:cNvPicPr>
+          <p:nvPr/>
+        </p:nvPicPr>
+        <p:blipFill>
+          <a:blip r:embed="rId3"/>
+          <a:srcRect l="-1" r="-346" b="44538"/>
+          <a:stretch/>
+        </p:blipFill>
+        <p:spPr>
+          <a:xfrm>
+            <a:off x="5384867" y="3358826"/>
+            <a:ext cx="2104504" cy="1299077"/>
+          </a:xfrm>
+          <a:prstGeom prst="rect">
+            <a:avLst/>
+          </a:prstGeom>
+        </p:spPr>
+      </p:pic>
+      <p:pic>
+        <p:nvPicPr>
+          <p:cNvPr id="10" name="그림 9">
+            <a:extLst>
+              <a:ext uri="{FF2B5EF4-FFF2-40B4-BE49-F238E27FC236}">
+                <a16:creationId xmlns:a16="http://schemas.microsoft.com/office/drawing/2014/main" id="{1AACEB80-377A-53D5-312F-39FC4F52B95E}"/>
+              </a:ext>
+            </a:extLst>
+          </p:cNvPr>
+          <p:cNvPicPr>
+            <a:picLocks noChangeAspect="1"/>
+          </p:cNvPicPr>
+          <p:nvPr/>
+        </p:nvPicPr>
+        <p:blipFill>
+          <a:blip r:embed="rId4"/>
+          <a:stretch>
+            <a:fillRect/>
+          </a:stretch>
+        </p:blipFill>
+        <p:spPr>
+          <a:xfrm>
+            <a:off x="971107" y="5236633"/>
+            <a:ext cx="4275807" cy="1256858"/>
+          </a:xfrm>
+          <a:prstGeom prst="rect">
+            <a:avLst/>
+          </a:prstGeom>
+        </p:spPr>
+      </p:pic>
+      <p:pic>
+        <p:nvPicPr>
+          <p:cNvPr id="12" name="그림 11">
+            <a:extLst>
+              <a:ext uri="{FF2B5EF4-FFF2-40B4-BE49-F238E27FC236}">
+                <a16:creationId xmlns:a16="http://schemas.microsoft.com/office/drawing/2014/main" id="{63C29D9D-3973-5AA6-6B62-76F11FA3BDFD}"/>
+              </a:ext>
+            </a:extLst>
+          </p:cNvPr>
+          <p:cNvPicPr>
+            <a:picLocks noChangeAspect="1"/>
+          </p:cNvPicPr>
+          <p:nvPr/>
+        </p:nvPicPr>
+        <p:blipFill>
+          <a:blip r:embed="rId5"/>
+          <a:stretch>
+            <a:fillRect/>
+          </a:stretch>
+        </p:blipFill>
+        <p:spPr>
+          <a:xfrm>
+            <a:off x="5392124" y="5236633"/>
+            <a:ext cx="1835990" cy="1194111"/>
+          </a:xfrm>
+          <a:prstGeom prst="rect">
+            <a:avLst/>
+          </a:prstGeom>
+        </p:spPr>
+      </p:pic>
+    </p:spTree>
+    <p:extLst>
+      <p:ext uri="{BB962C8B-B14F-4D97-AF65-F5344CB8AC3E}">
+        <p14:creationId xmlns:p14="http://schemas.microsoft.com/office/powerpoint/2010/main" val="1361157717"/>
+      </p:ext>
+    </p:extLst>
+  </p:cSld>
+  <p:clrMapOvr>
+    <a:masterClrMapping/>
+  </p:clrMapOvr>
+</p:sld>
+</file>
+
+<file path=ppt/slides/slide7.xml><?xml version="1.0" encoding="utf-8"?>
+<p:sld xmlns:a="http://schemas.openxmlformats.org/drawingml/2006/main" xmlns:r="http://schemas.openxmlformats.org/officeDocument/2006/relationships" xmlns:p="http://schemas.openxmlformats.org/presentationml/2006/main">
+  <p:cSld>
+    <p:spTree>
+      <p:nvGrpSpPr>
+        <p:cNvPr id="1" name="">
+          <a:extLst>
+            <a:ext uri="{FF2B5EF4-FFF2-40B4-BE49-F238E27FC236}">
+              <a16:creationId xmlns:a16="http://schemas.microsoft.com/office/drawing/2014/main" id="{28F9D544-4AAD-D96B-6AB1-6C4D819C1EFE}"/>
+            </a:ext>
+          </a:extLst>
+        </p:cNvPr>
+        <p:cNvGrpSpPr/>
+        <p:nvPr/>
+      </p:nvGrpSpPr>
+      <p:grpSpPr>
+        <a:xfrm>
+          <a:off x="0" y="0"/>
+          <a:ext cx="0" cy="0"/>
+          <a:chOff x="0" y="0"/>
+          <a:chExt cx="0" cy="0"/>
+        </a:xfrm>
+      </p:grpSpPr>
+      <p:sp>
+        <p:nvSpPr>
+          <p:cNvPr id="2" name="제목 1">
+            <a:extLst>
+              <a:ext uri="{FF2B5EF4-FFF2-40B4-BE49-F238E27FC236}">
+                <a16:creationId xmlns:a16="http://schemas.microsoft.com/office/drawing/2014/main" id="{F0E18233-8608-3D1B-9EEC-BC88C6401D2D}"/>
+              </a:ext>
+            </a:extLst>
+          </p:cNvPr>
+          <p:cNvSpPr>
+            <a:spLocks noGrp="1"/>
+          </p:cNvSpPr>
+          <p:nvPr>
+            <p:ph type="title"/>
+          </p:nvPr>
+        </p:nvSpPr>
+        <p:spPr/>
+        <p:txBody>
+          <a:bodyPr/>
+          <a:lstStyle/>
+          <a:p>
+            <a:r>
+              <a:rPr lang="ko-KR" altLang="en-US" sz="4400" dirty="0">
+                <a:latin typeface="+mj-lt"/>
+              </a:rPr>
+              <a:t>데이터 </a:t>
+            </a:r>
+            <a:r>
+              <a:rPr lang="ko-KR" altLang="en-US" sz="4400" dirty="0" err="1">
+                <a:latin typeface="+mj-lt"/>
+              </a:rPr>
+              <a:t>전처리</a:t>
+            </a:r>
+            <a:endParaRPr lang="ko-KR" altLang="en-US" dirty="0">
+              <a:latin typeface="+mj-lt"/>
+            </a:endParaRPr>
+          </a:p>
+        </p:txBody>
+      </p:sp>
+      <p:sp>
+        <p:nvSpPr>
+          <p:cNvPr id="3" name="TextBox 2">
+            <a:extLst>
+              <a:ext uri="{FF2B5EF4-FFF2-40B4-BE49-F238E27FC236}">
+                <a16:creationId xmlns:a16="http://schemas.microsoft.com/office/drawing/2014/main" id="{F1089C4B-294B-7FD6-3000-8B0B472D9947}"/>
+              </a:ext>
+            </a:extLst>
+          </p:cNvPr>
+          <p:cNvSpPr txBox="1"/>
+          <p:nvPr/>
+        </p:nvSpPr>
+        <p:spPr>
+          <a:xfrm>
+            <a:off x="971107" y="1545265"/>
+            <a:ext cx="9145350" cy="1015663"/>
+          </a:xfrm>
+          <a:prstGeom prst="rect">
+            <a:avLst/>
+          </a:prstGeom>
+          <a:noFill/>
+        </p:spPr>
+        <p:txBody>
+          <a:bodyPr wrap="square" rtlCol="0">
+            <a:spAutoFit/>
+          </a:bodyPr>
+          <a:lstStyle/>
+          <a:p>
+            <a:pPr algn="l"/>
+            <a:r>
+              <a:rPr lang="ko-KR" altLang="en-US" sz="2400" dirty="0">
+                <a:latin typeface="+mj-lt"/>
+              </a:rPr>
+              <a:t>데이터 병합</a:t>
+            </a:r>
+            <a:endParaRPr lang="en-US" altLang="ko-KR" sz="2400" dirty="0">
+              <a:latin typeface="+mj-lt"/>
+            </a:endParaRPr>
+          </a:p>
+          <a:p>
+            <a:pPr marL="92075" indent="85725" algn="l">
+              <a:buFont typeface="Arial" panose="020B0604020202020204" pitchFamily="34" charset="0"/>
+              <a:buChar char="•"/>
+            </a:pPr>
+            <a:r>
+              <a:rPr lang="ko-KR" altLang="en-US" dirty="0">
+                <a:latin typeface="+mj-lt"/>
+              </a:rPr>
+              <a:t>각 </a:t>
+            </a:r>
+            <a:r>
+              <a:rPr lang="en-US" altLang="ko-KR" dirty="0">
+                <a:latin typeface="+mj-lt"/>
+              </a:rPr>
+              <a:t>csv</a:t>
+            </a:r>
+            <a:r>
+              <a:rPr lang="ko-KR" altLang="en-US" dirty="0">
+                <a:latin typeface="+mj-lt"/>
+              </a:rPr>
+              <a:t>를 </a:t>
+            </a:r>
+            <a:r>
+              <a:rPr lang="ko-KR" altLang="en-US" dirty="0" err="1">
+                <a:latin typeface="+mj-lt"/>
+              </a:rPr>
+              <a:t>범죄대분류</a:t>
+            </a:r>
+            <a:r>
+              <a:rPr lang="en-US" altLang="ko-KR" dirty="0">
+                <a:latin typeface="+mj-lt"/>
+              </a:rPr>
+              <a:t>, </a:t>
+            </a:r>
+            <a:r>
+              <a:rPr lang="ko-KR" altLang="en-US" dirty="0" err="1">
+                <a:latin typeface="+mj-lt"/>
+              </a:rPr>
+              <a:t>범죄중분류를</a:t>
+            </a:r>
+            <a:r>
+              <a:rPr lang="ko-KR" altLang="en-US" dirty="0">
+                <a:latin typeface="+mj-lt"/>
+              </a:rPr>
+              <a:t> 기준으로 병합</a:t>
+            </a:r>
+            <a:endParaRPr lang="en-US" altLang="ko-KR" dirty="0">
+              <a:latin typeface="+mj-lt"/>
+            </a:endParaRPr>
+          </a:p>
+          <a:p>
+            <a:pPr marL="92075" indent="85725" algn="l">
+              <a:buFont typeface="Arial" panose="020B0604020202020204" pitchFamily="34" charset="0"/>
+              <a:buChar char="•"/>
+            </a:pPr>
+            <a:r>
+              <a:rPr lang="ko-KR" altLang="en-US" dirty="0">
+                <a:latin typeface="+mj-lt"/>
+              </a:rPr>
+              <a:t>시간대별</a:t>
+            </a:r>
+            <a:r>
+              <a:rPr lang="en-US" altLang="ko-KR" dirty="0">
+                <a:latin typeface="+mj-lt"/>
+              </a:rPr>
+              <a:t>, </a:t>
+            </a:r>
+            <a:r>
+              <a:rPr lang="ko-KR" altLang="en-US" dirty="0">
+                <a:latin typeface="+mj-lt"/>
+              </a:rPr>
+              <a:t>지역별 정보를 동시에 담을 수 있게 데이터 변환</a:t>
+            </a:r>
+            <a:endParaRPr lang="en-US" altLang="ko-KR" dirty="0">
+              <a:latin typeface="+mj-lt"/>
+            </a:endParaRPr>
+          </a:p>
+        </p:txBody>
+      </p:sp>
+      <p:pic>
+        <p:nvPicPr>
+          <p:cNvPr id="7" name="그림 6">
+            <a:extLst>
+              <a:ext uri="{FF2B5EF4-FFF2-40B4-BE49-F238E27FC236}">
+                <a16:creationId xmlns:a16="http://schemas.microsoft.com/office/drawing/2014/main" id="{2F245BCD-0431-354B-AFBB-A1EBD1401081}"/>
+              </a:ext>
+            </a:extLst>
+          </p:cNvPr>
+          <p:cNvPicPr>
+            <a:picLocks noChangeAspect="1"/>
+          </p:cNvPicPr>
+          <p:nvPr/>
+        </p:nvPicPr>
+        <p:blipFill>
+          <a:blip r:embed="rId2"/>
+          <a:stretch>
+            <a:fillRect/>
+          </a:stretch>
+        </p:blipFill>
+        <p:spPr>
+          <a:xfrm>
+            <a:off x="971107" y="3034540"/>
+            <a:ext cx="3380825" cy="2312243"/>
+          </a:xfrm>
+          <a:prstGeom prst="rect">
+            <a:avLst/>
+          </a:prstGeom>
+        </p:spPr>
+      </p:pic>
+      <p:pic>
+        <p:nvPicPr>
+          <p:cNvPr id="9" name="그림 8">
+            <a:extLst>
+              <a:ext uri="{FF2B5EF4-FFF2-40B4-BE49-F238E27FC236}">
+                <a16:creationId xmlns:a16="http://schemas.microsoft.com/office/drawing/2014/main" id="{B959188E-4BCF-EA29-84E0-A8F64F8A7815}"/>
+              </a:ext>
+            </a:extLst>
+          </p:cNvPr>
+          <p:cNvPicPr>
+            <a:picLocks noChangeAspect="1"/>
+          </p:cNvPicPr>
+          <p:nvPr/>
+        </p:nvPicPr>
+        <p:blipFill>
+          <a:blip r:embed="rId3"/>
+          <a:stretch>
+            <a:fillRect/>
+          </a:stretch>
+        </p:blipFill>
+        <p:spPr>
+          <a:xfrm>
+            <a:off x="971107" y="2599526"/>
+            <a:ext cx="5320901" cy="396415"/>
+          </a:xfrm>
+          <a:prstGeom prst="rect">
+            <a:avLst/>
+          </a:prstGeom>
+        </p:spPr>
+      </p:pic>
+      <p:pic>
+        <p:nvPicPr>
+          <p:cNvPr id="12" name="그림 11">
+            <a:extLst>
+              <a:ext uri="{FF2B5EF4-FFF2-40B4-BE49-F238E27FC236}">
+                <a16:creationId xmlns:a16="http://schemas.microsoft.com/office/drawing/2014/main" id="{DAA35860-E5AD-61A5-CA18-68AB4DCA81EE}"/>
+              </a:ext>
+            </a:extLst>
+          </p:cNvPr>
+          <p:cNvPicPr>
+            <a:picLocks noChangeAspect="1"/>
+          </p:cNvPicPr>
+          <p:nvPr/>
+        </p:nvPicPr>
+        <p:blipFill>
+          <a:blip r:embed="rId4"/>
+          <a:stretch>
+            <a:fillRect/>
+          </a:stretch>
+        </p:blipFill>
+        <p:spPr>
+          <a:xfrm>
+            <a:off x="4351932" y="3169478"/>
+            <a:ext cx="6197600" cy="1664866"/>
+          </a:xfrm>
+          <a:prstGeom prst="rect">
+            <a:avLst/>
+          </a:prstGeom>
+        </p:spPr>
+      </p:pic>
+    </p:spTree>
+    <p:extLst>
+      <p:ext uri="{BB962C8B-B14F-4D97-AF65-F5344CB8AC3E}">
+        <p14:creationId xmlns:p14="http://schemas.microsoft.com/office/powerpoint/2010/main" val="393511553"/>
+      </p:ext>
+    </p:extLst>
+  </p:cSld>
+  <p:clrMapOvr>
+    <a:masterClrMapping/>
+  </p:clrMapOvr>
+</p:sld>
+</file>
+
+<file path=ppt/slides/slide8.xml><?xml version="1.0" encoding="utf-8"?>
+<p:sld xmlns:a="http://schemas.openxmlformats.org/drawingml/2006/main" xmlns:r="http://schemas.openxmlformats.org/officeDocument/2006/relationships" xmlns:p="http://schemas.openxmlformats.org/presentationml/2006/main">
+  <p:cSld>
+    <p:spTree>
+      <p:nvGrpSpPr>
+        <p:cNvPr id="1" name="">
+          <a:extLst>
+            <a:ext uri="{FF2B5EF4-FFF2-40B4-BE49-F238E27FC236}">
+              <a16:creationId xmlns:a16="http://schemas.microsoft.com/office/drawing/2014/main" id="{15E111B9-B009-79BD-91F9-5B7D3E8D4ADF}"/>
+            </a:ext>
+          </a:extLst>
+        </p:cNvPr>
+        <p:cNvGrpSpPr/>
+        <p:nvPr/>
+      </p:nvGrpSpPr>
+      <p:grpSpPr>
+        <a:xfrm>
+          <a:off x="0" y="0"/>
+          <a:ext cx="0" cy="0"/>
+          <a:chOff x="0" y="0"/>
+          <a:chExt cx="0" cy="0"/>
+        </a:xfrm>
+      </p:grpSpPr>
+      <p:sp>
+        <p:nvSpPr>
+          <p:cNvPr id="4" name="직사각형 3">
+            <a:extLst>
+              <a:ext uri="{FF2B5EF4-FFF2-40B4-BE49-F238E27FC236}">
+                <a16:creationId xmlns:a16="http://schemas.microsoft.com/office/drawing/2014/main" id="{F1D62984-9027-AC66-4FE1-0CDD087AA40C}"/>
+              </a:ext>
+            </a:extLst>
+          </p:cNvPr>
+          <p:cNvSpPr/>
+          <p:nvPr/>
+        </p:nvSpPr>
+        <p:spPr>
+          <a:xfrm>
+            <a:off x="2796997" y="2826123"/>
+            <a:ext cx="5504330" cy="1205753"/>
+          </a:xfrm>
+          <a:prstGeom prst="rect">
+            <a:avLst/>
+          </a:prstGeom>
+          <a:solidFill>
+            <a:schemeClr val="bg1"/>
+          </a:solidFill>
+          <a:ln>
+            <a:solidFill>
+              <a:schemeClr val="bg1"/>
+            </a:solidFill>
+          </a:ln>
+        </p:spPr>
+        <p:style>
+          <a:lnRef idx="2">
+            <a:schemeClr val="accent1">
+              <a:shade val="50000"/>
+            </a:schemeClr>
+          </a:lnRef>
+          <a:fillRef idx="1">
+            <a:schemeClr val="accent1"/>
+          </a:fillRef>
+          <a:effectRef idx="0">
+            <a:schemeClr val="accent1"/>
+          </a:effectRef>
+          <a:fontRef idx="minor">
+            <a:schemeClr val="lt1"/>
+          </a:fontRef>
+        </p:style>
+        <p:txBody>
+          <a:bodyPr rtlCol="0" anchor="ctr"/>
+          <a:lstStyle/>
+          <a:p>
+            <a:pPr algn="ctr"/>
+            <a:r>
+              <a:rPr lang="en-US" altLang="ko-KR" sz="6000" b="1" dirty="0">
+                <a:solidFill>
+                  <a:srgbClr val="002060"/>
+                </a:solidFill>
+                <a:latin typeface="맑은 고딕" panose="020B0503020000020004" pitchFamily="50" charset="-127"/>
+                <a:ea typeface="맑은 고딕" panose="020B0503020000020004" pitchFamily="50" charset="-127"/>
+              </a:rPr>
+              <a:t>01. </a:t>
+            </a:r>
+            <a:r>
+              <a:rPr lang="ko-KR" altLang="en-US" sz="6000" b="1" dirty="0">
+                <a:solidFill>
+                  <a:srgbClr val="002060"/>
+                </a:solidFill>
+                <a:latin typeface="맑은 고딕" panose="020B0503020000020004" pitchFamily="50" charset="-127"/>
+                <a:ea typeface="맑은 고딕" panose="020B0503020000020004" pitchFamily="50" charset="-127"/>
+              </a:rPr>
+              <a:t>서 론</a:t>
+            </a:r>
+          </a:p>
+        </p:txBody>
+      </p:sp>
+      <p:grpSp>
+        <p:nvGrpSpPr>
+          <p:cNvPr id="5" name="그룹 4">
+            <a:extLst>
+              <a:ext uri="{FF2B5EF4-FFF2-40B4-BE49-F238E27FC236}">
+                <a16:creationId xmlns:a16="http://schemas.microsoft.com/office/drawing/2014/main" id="{F6DD7FFC-2679-98F0-FBD9-C66A0BAA0F20}"/>
+              </a:ext>
+            </a:extLst>
+          </p:cNvPr>
+          <p:cNvGrpSpPr/>
+          <p:nvPr/>
+        </p:nvGrpSpPr>
+        <p:grpSpPr>
+          <a:xfrm>
+            <a:off x="1966686" y="2312893"/>
+            <a:ext cx="7337827" cy="2232213"/>
+            <a:chOff x="2303937" y="2312893"/>
+            <a:chExt cx="5665687" cy="2232213"/>
+          </a:xfrm>
+        </p:grpSpPr>
+        <p:sp>
+          <p:nvSpPr>
+            <p:cNvPr id="6" name="직사각형 5">
+              <a:extLst>
+                <a:ext uri="{FF2B5EF4-FFF2-40B4-BE49-F238E27FC236}">
+                  <a16:creationId xmlns:a16="http://schemas.microsoft.com/office/drawing/2014/main" id="{94DC9054-C0A9-185B-7A48-14DA486F757A}"/>
+                </a:ext>
+              </a:extLst>
+            </p:cNvPr>
+            <p:cNvSpPr/>
+            <p:nvPr/>
+          </p:nvSpPr>
+          <p:spPr>
+            <a:xfrm>
+              <a:off x="2303937" y="2826123"/>
+              <a:ext cx="5504330" cy="1205753"/>
+            </a:xfrm>
+            <a:prstGeom prst="rect">
+              <a:avLst/>
+            </a:prstGeom>
+            <a:solidFill>
+              <a:schemeClr val="bg1"/>
+            </a:solidFill>
+            <a:ln>
+              <a:solidFill>
+                <a:schemeClr val="bg1"/>
+              </a:solidFill>
+            </a:ln>
+          </p:spPr>
+          <p:style>
+            <a:lnRef idx="2">
+              <a:schemeClr val="accent1">
+                <a:shade val="50000"/>
+              </a:schemeClr>
+            </a:lnRef>
+            <a:fillRef idx="1">
+              <a:schemeClr val="accent1"/>
+            </a:fillRef>
+            <a:effectRef idx="0">
+              <a:schemeClr val="accent1"/>
+            </a:effectRef>
+            <a:fontRef idx="minor">
+              <a:schemeClr val="lt1"/>
+            </a:fontRef>
+          </p:style>
+          <p:txBody>
+            <a:bodyPr rtlCol="0" anchor="ctr"/>
+            <a:lstStyle/>
+            <a:p>
+              <a:pPr algn="ctr"/>
+              <a:r>
+                <a:rPr lang="en-US" altLang="ko-KR" sz="6000" b="1">
+                  <a:solidFill>
+                    <a:srgbClr val="002060"/>
+                  </a:solidFill>
+                  <a:latin typeface="맑은 고딕" panose="020B0503020000020004" pitchFamily="50" charset="-127"/>
+                  <a:ea typeface="맑은 고딕" panose="020B0503020000020004" pitchFamily="50" charset="-127"/>
+                </a:rPr>
+                <a:t>0</a:t>
+              </a:r>
+              <a:r>
+                <a:rPr lang="en-US" altLang="ko-KR" sz="6000" b="1" dirty="0">
+                  <a:solidFill>
+                    <a:srgbClr val="002060"/>
+                  </a:solidFill>
+                  <a:latin typeface="맑은 고딕" panose="020B0503020000020004" pitchFamily="50" charset="-127"/>
+                  <a:ea typeface="맑은 고딕" panose="020B0503020000020004" pitchFamily="50" charset="-127"/>
+                </a:rPr>
+                <a:t>3</a:t>
+              </a:r>
+              <a:r>
+                <a:rPr lang="en-US" altLang="ko-KR" sz="6000" b="1">
+                  <a:solidFill>
+                    <a:srgbClr val="002060"/>
+                  </a:solidFill>
+                  <a:latin typeface="맑은 고딕" panose="020B0503020000020004" pitchFamily="50" charset="-127"/>
+                  <a:ea typeface="맑은 고딕" panose="020B0503020000020004" pitchFamily="50" charset="-127"/>
+                </a:rPr>
+                <a:t>. </a:t>
+              </a:r>
+              <a:r>
+                <a:rPr lang="ko-KR" altLang="en-US" sz="6000" b="1" dirty="0">
+                  <a:solidFill>
+                    <a:srgbClr val="002060"/>
+                  </a:solidFill>
+                  <a:latin typeface="맑은 고딕" panose="020B0503020000020004" pitchFamily="50" charset="-127"/>
+                  <a:ea typeface="맑은 고딕" panose="020B0503020000020004" pitchFamily="50" charset="-127"/>
+                </a:rPr>
+                <a:t>데이터 시각화</a:t>
+              </a:r>
+            </a:p>
+          </p:txBody>
+        </p:sp>
+        <p:grpSp>
+          <p:nvGrpSpPr>
+            <p:cNvPr id="7" name="그룹 6">
+              <a:extLst>
+                <a:ext uri="{FF2B5EF4-FFF2-40B4-BE49-F238E27FC236}">
+                  <a16:creationId xmlns:a16="http://schemas.microsoft.com/office/drawing/2014/main" id="{BED9DAC4-BB7B-3C74-009A-52E5907A2A96}"/>
+                </a:ext>
+              </a:extLst>
+            </p:cNvPr>
+            <p:cNvGrpSpPr/>
+            <p:nvPr/>
+          </p:nvGrpSpPr>
+          <p:grpSpPr>
+            <a:xfrm>
+              <a:off x="2958353" y="2312893"/>
+              <a:ext cx="5011271" cy="2232213"/>
+              <a:chOff x="2958353" y="2312893"/>
+              <a:chExt cx="5011271" cy="2232213"/>
+            </a:xfrm>
+          </p:grpSpPr>
+          <p:sp>
+            <p:nvSpPr>
+              <p:cNvPr id="8" name="직사각형 7">
+                <a:extLst>
+                  <a:ext uri="{FF2B5EF4-FFF2-40B4-BE49-F238E27FC236}">
+                    <a16:creationId xmlns:a16="http://schemas.microsoft.com/office/drawing/2014/main" id="{88C194F8-8EE1-281D-BF49-7CDFD38BC5F1}"/>
+                  </a:ext>
+                </a:extLst>
+              </p:cNvPr>
+              <p:cNvSpPr/>
+              <p:nvPr/>
+            </p:nvSpPr>
+            <p:spPr>
+              <a:xfrm>
+                <a:off x="2958353" y="2312893"/>
+                <a:ext cx="45719" cy="340659"/>
+              </a:xfrm>
+              <a:prstGeom prst="rect">
+                <a:avLst/>
+              </a:prstGeom>
+              <a:solidFill>
+                <a:srgbClr val="0455BF"/>
+              </a:solidFill>
+              <a:ln>
+                <a:solidFill>
+                  <a:srgbClr val="0455BF"/>
+                </a:solidFill>
+              </a:ln>
+            </p:spPr>
+            <p:style>
+              <a:lnRef idx="2">
+                <a:schemeClr val="accent1">
+                  <a:shade val="50000"/>
+                </a:schemeClr>
+              </a:lnRef>
+              <a:fillRef idx="1">
+                <a:schemeClr val="accent1"/>
+              </a:fillRef>
+              <a:effectRef idx="0">
+                <a:schemeClr val="accent1"/>
+              </a:effectRef>
+              <a:fontRef idx="minor">
+                <a:schemeClr val="lt1"/>
+              </a:fontRef>
+            </p:style>
+            <p:txBody>
+              <a:bodyPr rtlCol="0" anchor="ctr"/>
+              <a:lstStyle/>
+              <a:p>
+                <a:pPr algn="ctr"/>
+                <a:endParaRPr lang="ko-KR" altLang="en-US" b="1">
+                  <a:latin typeface="맑은 고딕" panose="020B0503020000020004" pitchFamily="50" charset="-127"/>
+                  <a:ea typeface="맑은 고딕" panose="020B0503020000020004" pitchFamily="50" charset="-127"/>
+                </a:endParaRPr>
+              </a:p>
+            </p:txBody>
+          </p:sp>
+          <p:sp>
+            <p:nvSpPr>
+              <p:cNvPr id="9" name="직사각형 8">
+                <a:extLst>
+                  <a:ext uri="{FF2B5EF4-FFF2-40B4-BE49-F238E27FC236}">
+                    <a16:creationId xmlns:a16="http://schemas.microsoft.com/office/drawing/2014/main" id="{DBBA78AE-2EE6-20B3-A04E-521B594CBAA7}"/>
+                  </a:ext>
+                </a:extLst>
+              </p:cNvPr>
+              <p:cNvSpPr/>
+              <p:nvPr/>
+            </p:nvSpPr>
+            <p:spPr>
+              <a:xfrm>
+                <a:off x="2958353" y="4204447"/>
+                <a:ext cx="45719" cy="340659"/>
+              </a:xfrm>
+              <a:prstGeom prst="rect">
+                <a:avLst/>
+              </a:prstGeom>
+              <a:solidFill>
+                <a:srgbClr val="0455BF"/>
+              </a:solidFill>
+              <a:ln>
+                <a:solidFill>
+                  <a:srgbClr val="0455BF"/>
+                </a:solidFill>
+              </a:ln>
+            </p:spPr>
+            <p:style>
+              <a:lnRef idx="2">
+                <a:schemeClr val="accent1">
+                  <a:shade val="50000"/>
+                </a:schemeClr>
+              </a:lnRef>
+              <a:fillRef idx="1">
+                <a:schemeClr val="accent1"/>
+              </a:fillRef>
+              <a:effectRef idx="0">
+                <a:schemeClr val="accent1"/>
+              </a:effectRef>
+              <a:fontRef idx="minor">
+                <a:schemeClr val="lt1"/>
+              </a:fontRef>
+            </p:style>
+            <p:txBody>
+              <a:bodyPr rtlCol="0" anchor="ctr"/>
+              <a:lstStyle/>
+              <a:p>
+                <a:pPr algn="ctr"/>
+                <a:endParaRPr lang="ko-KR" altLang="en-US" b="1">
+                  <a:latin typeface="맑은 고딕" panose="020B0503020000020004" pitchFamily="50" charset="-127"/>
+                  <a:ea typeface="맑은 고딕" panose="020B0503020000020004" pitchFamily="50" charset="-127"/>
+                </a:endParaRPr>
+              </a:p>
+            </p:txBody>
+          </p:sp>
+          <p:sp>
+            <p:nvSpPr>
+              <p:cNvPr id="10" name="직사각형 9">
+                <a:extLst>
+                  <a:ext uri="{FF2B5EF4-FFF2-40B4-BE49-F238E27FC236}">
+                    <a16:creationId xmlns:a16="http://schemas.microsoft.com/office/drawing/2014/main" id="{6BF275FF-436A-F96E-0CF8-8F6E2423C31D}"/>
+                  </a:ext>
+                </a:extLst>
+              </p:cNvPr>
+              <p:cNvSpPr/>
+              <p:nvPr/>
+            </p:nvSpPr>
+            <p:spPr>
+              <a:xfrm>
+                <a:off x="2958353" y="2312893"/>
+                <a:ext cx="5011271" cy="45719"/>
+              </a:xfrm>
+              <a:prstGeom prst="rect">
+                <a:avLst/>
+              </a:prstGeom>
+              <a:solidFill>
+                <a:srgbClr val="0455BF"/>
+              </a:solidFill>
+              <a:ln>
+                <a:solidFill>
+                  <a:srgbClr val="0455BF"/>
+                </a:solidFill>
+              </a:ln>
+            </p:spPr>
+            <p:style>
+              <a:lnRef idx="2">
+                <a:schemeClr val="accent1">
+                  <a:shade val="50000"/>
+                </a:schemeClr>
+              </a:lnRef>
+              <a:fillRef idx="1">
+                <a:schemeClr val="accent1"/>
+              </a:fillRef>
+              <a:effectRef idx="0">
+                <a:schemeClr val="accent1"/>
+              </a:effectRef>
+              <a:fontRef idx="minor">
+                <a:schemeClr val="lt1"/>
+              </a:fontRef>
+            </p:style>
+            <p:txBody>
+              <a:bodyPr rtlCol="0" anchor="ctr"/>
+              <a:lstStyle/>
+              <a:p>
+                <a:pPr algn="ctr"/>
+                <a:endParaRPr lang="ko-KR" altLang="en-US" b="1" dirty="0">
+                  <a:latin typeface="맑은 고딕" panose="020B0503020000020004" pitchFamily="50" charset="-127"/>
+                  <a:ea typeface="맑은 고딕" panose="020B0503020000020004" pitchFamily="50" charset="-127"/>
+                </a:endParaRPr>
+              </a:p>
+            </p:txBody>
+          </p:sp>
+          <p:sp>
+            <p:nvSpPr>
+              <p:cNvPr id="11" name="직사각형 10">
+                <a:extLst>
+                  <a:ext uri="{FF2B5EF4-FFF2-40B4-BE49-F238E27FC236}">
+                    <a16:creationId xmlns:a16="http://schemas.microsoft.com/office/drawing/2014/main" id="{2F4D46C8-0F40-355D-03F1-A6A99EA4CBAB}"/>
+                  </a:ext>
+                </a:extLst>
+              </p:cNvPr>
+              <p:cNvSpPr/>
+              <p:nvPr/>
+            </p:nvSpPr>
+            <p:spPr>
+              <a:xfrm>
+                <a:off x="2958353" y="4499387"/>
+                <a:ext cx="5011271" cy="45719"/>
+              </a:xfrm>
+              <a:prstGeom prst="rect">
+                <a:avLst/>
+              </a:prstGeom>
+              <a:solidFill>
+                <a:srgbClr val="0455BF"/>
+              </a:solidFill>
+              <a:ln>
+                <a:solidFill>
+                  <a:srgbClr val="0455BF"/>
+                </a:solidFill>
+              </a:ln>
+            </p:spPr>
+            <p:style>
+              <a:lnRef idx="2">
+                <a:schemeClr val="accent1">
+                  <a:shade val="50000"/>
+                </a:schemeClr>
+              </a:lnRef>
+              <a:fillRef idx="1">
+                <a:schemeClr val="accent1"/>
+              </a:fillRef>
+              <a:effectRef idx="0">
+                <a:schemeClr val="accent1"/>
+              </a:effectRef>
+              <a:fontRef idx="minor">
+                <a:schemeClr val="lt1"/>
+              </a:fontRef>
+            </p:style>
+            <p:txBody>
+              <a:bodyPr rtlCol="0" anchor="ctr"/>
+              <a:lstStyle/>
+              <a:p>
+                <a:pPr algn="ctr"/>
+                <a:endParaRPr lang="ko-KR" altLang="en-US" b="1">
+                  <a:latin typeface="맑은 고딕" panose="020B0503020000020004" pitchFamily="50" charset="-127"/>
+                  <a:ea typeface="맑은 고딕" panose="020B0503020000020004" pitchFamily="50" charset="-127"/>
+                </a:endParaRPr>
+              </a:p>
+            </p:txBody>
+          </p:sp>
+          <p:sp>
+            <p:nvSpPr>
+              <p:cNvPr id="12" name="직사각형 11">
+                <a:extLst>
+                  <a:ext uri="{FF2B5EF4-FFF2-40B4-BE49-F238E27FC236}">
+                    <a16:creationId xmlns:a16="http://schemas.microsoft.com/office/drawing/2014/main" id="{303E6635-C222-1A9A-BE48-D1035E456D7F}"/>
+                  </a:ext>
+                </a:extLst>
+              </p:cNvPr>
+              <p:cNvSpPr/>
+              <p:nvPr/>
+            </p:nvSpPr>
+            <p:spPr>
+              <a:xfrm>
+                <a:off x="7923905" y="2312893"/>
+                <a:ext cx="45719" cy="2232213"/>
+              </a:xfrm>
+              <a:prstGeom prst="rect">
+                <a:avLst/>
+              </a:prstGeom>
+              <a:solidFill>
+                <a:srgbClr val="0455BF"/>
+              </a:solidFill>
+              <a:ln>
+                <a:solidFill>
+                  <a:srgbClr val="0455BF"/>
+                </a:solidFill>
+              </a:ln>
+            </p:spPr>
+            <p:style>
+              <a:lnRef idx="2">
+                <a:schemeClr val="accent1">
+                  <a:shade val="50000"/>
+                </a:schemeClr>
+              </a:lnRef>
+              <a:fillRef idx="1">
+                <a:schemeClr val="accent1"/>
+              </a:fillRef>
+              <a:effectRef idx="0">
+                <a:schemeClr val="accent1"/>
+              </a:effectRef>
+              <a:fontRef idx="minor">
+                <a:schemeClr val="lt1"/>
+              </a:fontRef>
+            </p:style>
+            <p:txBody>
+              <a:bodyPr rtlCol="0" anchor="ctr"/>
+              <a:lstStyle/>
+              <a:p>
+                <a:pPr algn="ctr"/>
+                <a:endParaRPr lang="ko-KR" altLang="en-US" b="1">
+                  <a:latin typeface="맑은 고딕" panose="020B0503020000020004" pitchFamily="50" charset="-127"/>
+                  <a:ea typeface="맑은 고딕" panose="020B0503020000020004" pitchFamily="50" charset="-127"/>
+                </a:endParaRPr>
+              </a:p>
+            </p:txBody>
+          </p:sp>
+        </p:grpSp>
+      </p:grpSp>
+    </p:spTree>
+    <p:extLst>
+      <p:ext uri="{BB962C8B-B14F-4D97-AF65-F5344CB8AC3E}">
+        <p14:creationId xmlns:p14="http://schemas.microsoft.com/office/powerpoint/2010/main" val="146695679"/>
+      </p:ext>
+    </p:extLst>
+  </p:cSld>
+  <p:clrMapOvr>
+    <a:masterClrMapping/>
+  </p:clrMapOvr>
+</p:sld>
+</file>
+
+<file path=ppt/slides/slide9.xml><?xml version="1.0" encoding="utf-8"?>
+<p:sld xmlns:a="http://schemas.openxmlformats.org/drawingml/2006/main" xmlns:r="http://schemas.openxmlformats.org/officeDocument/2006/relationships" xmlns:p="http://schemas.openxmlformats.org/presentationml/2006/main">
+  <p:cSld>
+    <p:spTree>
+      <p:nvGrpSpPr>
+        <p:cNvPr id="1" name="">
+          <a:extLst>
+            <a:ext uri="{FF2B5EF4-FFF2-40B4-BE49-F238E27FC236}">
+              <a16:creationId xmlns:a16="http://schemas.microsoft.com/office/drawing/2014/main" id="{00877C4B-3844-F60B-056B-53B0D57BCC5A}"/>
+            </a:ext>
+          </a:extLst>
+        </p:cNvPr>
+        <p:cNvGrpSpPr/>
+        <p:nvPr/>
+      </p:nvGrpSpPr>
+      <p:grpSpPr>
+        <a:xfrm>
+          <a:off x="0" y="0"/>
+          <a:ext cx="0" cy="0"/>
+          <a:chOff x="0" y="0"/>
+          <a:chExt cx="0" cy="0"/>
+        </a:xfrm>
+      </p:grpSpPr>
+      <p:sp>
+        <p:nvSpPr>
+          <p:cNvPr id="2" name="제목 1">
+            <a:extLst>
+              <a:ext uri="{FF2B5EF4-FFF2-40B4-BE49-F238E27FC236}">
+                <a16:creationId xmlns:a16="http://schemas.microsoft.com/office/drawing/2014/main" id="{1C2259BD-81FF-0023-5511-6A22CE26DFF6}"/>
+              </a:ext>
+            </a:extLst>
+          </p:cNvPr>
+          <p:cNvSpPr>
+            <a:spLocks noGrp="1"/>
+          </p:cNvSpPr>
+          <p:nvPr>
+            <p:ph type="title"/>
+          </p:nvPr>
+        </p:nvSpPr>
+        <p:spPr/>
+        <p:txBody>
+          <a:bodyPr/>
+          <a:lstStyle/>
+          <a:p>
+            <a:r>
+              <a:rPr lang="ko-KR" altLang="en-US" dirty="0">
+                <a:latin typeface="+mj-lt"/>
+              </a:rPr>
+              <a:t>데이터 시각화</a:t>
+            </a:r>
+          </a:p>
+        </p:txBody>
+      </p:sp>
+      <p:sp>
+        <p:nvSpPr>
+          <p:cNvPr id="3" name="TextBox 2">
+            <a:extLst>
+              <a:ext uri="{FF2B5EF4-FFF2-40B4-BE49-F238E27FC236}">
+                <a16:creationId xmlns:a16="http://schemas.microsoft.com/office/drawing/2014/main" id="{C33A0F64-5CD8-64E9-4CAC-1322FA201756}"/>
+              </a:ext>
+            </a:extLst>
+          </p:cNvPr>
+          <p:cNvSpPr txBox="1"/>
+          <p:nvPr/>
+        </p:nvSpPr>
+        <p:spPr>
+          <a:xfrm>
+            <a:off x="971107" y="1545265"/>
+            <a:ext cx="9145350" cy="1169551"/>
+          </a:xfrm>
+          <a:prstGeom prst="rect">
+            <a:avLst/>
+          </a:prstGeom>
+          <a:noFill/>
+        </p:spPr>
+        <p:txBody>
+          <a:bodyPr wrap="square" rtlCol="0">
+            <a:spAutoFit/>
+          </a:bodyPr>
+          <a:lstStyle/>
+          <a:p>
+            <a:pPr algn="l"/>
+            <a:r>
+              <a:rPr lang="ko-KR" altLang="en-US" sz="2400" dirty="0">
+                <a:latin typeface="+mj-lt"/>
+              </a:rPr>
+              <a:t>시간대별 시각화</a:t>
+            </a:r>
+            <a:endParaRPr lang="en-US" altLang="ko-KR" sz="2400" dirty="0">
+              <a:latin typeface="+mj-lt"/>
+            </a:endParaRPr>
+          </a:p>
+          <a:p>
+            <a:pPr marL="92075" indent="85725" algn="l">
+              <a:buFont typeface="Arial" panose="020B0604020202020204" pitchFamily="34" charset="0"/>
+              <a:buChar char="•"/>
+            </a:pPr>
+            <a:r>
+              <a:rPr lang="ko-KR" altLang="en-US" dirty="0">
+                <a:latin typeface="+mj-lt"/>
+              </a:rPr>
+              <a:t>병합한 </a:t>
+            </a:r>
+            <a:r>
+              <a:rPr lang="en-US" altLang="ko-KR" dirty="0">
+                <a:latin typeface="+mj-lt"/>
+              </a:rPr>
+              <a:t>csv</a:t>
+            </a:r>
+            <a:r>
+              <a:rPr lang="ko-KR" altLang="en-US" dirty="0">
+                <a:latin typeface="+mj-lt"/>
+              </a:rPr>
+              <a:t>파일을 </a:t>
+            </a:r>
+            <a:r>
+              <a:rPr lang="ko-KR" altLang="en-US" dirty="0" err="1">
+                <a:latin typeface="+mj-lt"/>
+              </a:rPr>
+              <a:t>히트맵과</a:t>
+            </a:r>
+            <a:r>
+              <a:rPr lang="ko-KR" altLang="en-US" dirty="0">
+                <a:latin typeface="+mj-lt"/>
+              </a:rPr>
+              <a:t> 바 차트를 사용해 어떤 범죄가 </a:t>
+            </a:r>
+            <a:r>
+              <a:rPr lang="ko-KR" altLang="en-US" dirty="0" err="1">
+                <a:latin typeface="+mj-lt"/>
+              </a:rPr>
+              <a:t>어느시간에</a:t>
+            </a:r>
+            <a:r>
+              <a:rPr lang="ko-KR" altLang="en-US" dirty="0">
+                <a:latin typeface="+mj-lt"/>
+              </a:rPr>
+              <a:t> </a:t>
+            </a:r>
+            <a:r>
+              <a:rPr lang="ko-KR" altLang="en-US" dirty="0" err="1">
+                <a:latin typeface="+mj-lt"/>
+              </a:rPr>
+              <a:t>많은지</a:t>
+            </a:r>
+            <a:r>
+              <a:rPr lang="ko-KR" altLang="en-US" dirty="0">
+                <a:latin typeface="+mj-lt"/>
+              </a:rPr>
+              <a:t> 확인</a:t>
+            </a:r>
+            <a:endParaRPr lang="en-US" altLang="ko-KR" dirty="0">
+              <a:latin typeface="+mj-lt"/>
+            </a:endParaRPr>
+          </a:p>
+          <a:p>
+            <a:pPr marL="549275" lvl="1" indent="85725">
+              <a:buFont typeface="Arial" panose="020B0604020202020204" pitchFamily="34" charset="0"/>
+              <a:buChar char="•"/>
+            </a:pPr>
+            <a:r>
+              <a:rPr lang="ko-KR" altLang="en-US" sz="1400" dirty="0">
+                <a:latin typeface="+mj-lt"/>
+              </a:rPr>
+              <a:t>시간대 확인결과 </a:t>
+            </a:r>
+            <a:r>
+              <a:rPr lang="en-US" altLang="ko-KR" sz="1400" dirty="0">
+                <a:latin typeface="+mj-lt"/>
+              </a:rPr>
+              <a:t>21</a:t>
+            </a:r>
+            <a:r>
+              <a:rPr lang="ko-KR" altLang="en-US" sz="1400" dirty="0">
+                <a:latin typeface="+mj-lt"/>
+              </a:rPr>
+              <a:t>시</a:t>
+            </a:r>
+            <a:r>
+              <a:rPr lang="en-US" altLang="ko-KR" sz="1400" dirty="0">
+                <a:latin typeface="+mj-lt"/>
+              </a:rPr>
+              <a:t>~00</a:t>
+            </a:r>
+            <a:r>
+              <a:rPr lang="ko-KR" altLang="en-US" sz="1400" dirty="0">
+                <a:latin typeface="+mj-lt"/>
+              </a:rPr>
+              <a:t>시가 가장 많은 범죄가 일어나는 것을 확인</a:t>
+            </a:r>
+            <a:r>
+              <a:rPr lang="en-US" altLang="ko-KR" sz="1400" dirty="0">
+                <a:latin typeface="+mj-lt"/>
+              </a:rPr>
+              <a:t>, </a:t>
+            </a:r>
+            <a:r>
+              <a:rPr lang="ko-KR" altLang="en-US" sz="1400" dirty="0">
+                <a:latin typeface="+mj-lt"/>
+              </a:rPr>
+              <a:t>또한 교통 및 폭력 범죄가 많이 일</a:t>
+            </a:r>
+            <a:br>
+              <a:rPr lang="en-US" altLang="ko-KR" sz="1400" dirty="0">
+                <a:latin typeface="+mj-lt"/>
+              </a:rPr>
+            </a:br>
+            <a:r>
+              <a:rPr lang="en-US" altLang="ko-KR" sz="1400" dirty="0">
+                <a:latin typeface="+mj-lt"/>
+              </a:rPr>
+              <a:t>  </a:t>
+            </a:r>
+            <a:r>
+              <a:rPr lang="ko-KR" altLang="en-US" sz="1400" dirty="0">
+                <a:latin typeface="+mj-lt"/>
+              </a:rPr>
+              <a:t>어 나는 것도 확인 할 수 있었음</a:t>
+            </a:r>
+            <a:endParaRPr lang="en-US" altLang="ko-KR" sz="1400" dirty="0">
+              <a:latin typeface="+mj-lt"/>
+            </a:endParaRPr>
+          </a:p>
+        </p:txBody>
+      </p:sp>
+      <p:pic>
+        <p:nvPicPr>
+          <p:cNvPr id="5" name="그림 4">
+            <a:extLst>
+              <a:ext uri="{FF2B5EF4-FFF2-40B4-BE49-F238E27FC236}">
+                <a16:creationId xmlns:a16="http://schemas.microsoft.com/office/drawing/2014/main" id="{0A4ACD11-D0AC-AA1D-9C58-E5ABDEC3A13D}"/>
+              </a:ext>
+            </a:extLst>
+          </p:cNvPr>
+          <p:cNvPicPr>
+            <a:picLocks noChangeAspect="1"/>
+          </p:cNvPicPr>
+          <p:nvPr/>
+        </p:nvPicPr>
+        <p:blipFill>
+          <a:blip r:embed="rId2"/>
+          <a:stretch>
+            <a:fillRect/>
+          </a:stretch>
+        </p:blipFill>
+        <p:spPr>
+          <a:xfrm>
+            <a:off x="845530" y="3146352"/>
+            <a:ext cx="3523269" cy="3248348"/>
+          </a:xfrm>
+          <a:prstGeom prst="rect">
+            <a:avLst/>
+          </a:prstGeom>
+        </p:spPr>
+      </p:pic>
+      <p:pic>
+        <p:nvPicPr>
+          <p:cNvPr id="8" name="그림 7">
+            <a:extLst>
+              <a:ext uri="{FF2B5EF4-FFF2-40B4-BE49-F238E27FC236}">
+                <a16:creationId xmlns:a16="http://schemas.microsoft.com/office/drawing/2014/main" id="{15865F14-CEE4-8849-7DC4-929255A946AE}"/>
+              </a:ext>
+            </a:extLst>
+          </p:cNvPr>
+          <p:cNvPicPr>
+            <a:picLocks noChangeAspect="1"/>
+          </p:cNvPicPr>
+          <p:nvPr/>
+        </p:nvPicPr>
+        <p:blipFill>
+          <a:blip r:embed="rId3"/>
+          <a:stretch>
+            <a:fillRect/>
+          </a:stretch>
+        </p:blipFill>
+        <p:spPr>
+          <a:xfrm>
+            <a:off x="4705771" y="3077029"/>
+            <a:ext cx="5410686" cy="3113314"/>
+          </a:xfrm>
+          <a:prstGeom prst="rect">
+            <a:avLst/>
+          </a:prstGeom>
+        </p:spPr>
+      </p:pic>
+    </p:spTree>
+    <p:extLst>
+      <p:ext uri="{BB962C8B-B14F-4D97-AF65-F5344CB8AC3E}">
+        <p14:creationId xmlns:p14="http://schemas.microsoft.com/office/powerpoint/2010/main" val="3551236187"/>
       </p:ext>
     </p:extLst>
   </p:cSld>
